--- a/Docs/Survivor.pptx
+++ b/Docs/Survivor.pptx
@@ -2,7 +2,7 @@
 <file path=ppt/presentation.xml><?xml version="1.0" encoding="utf-8"?>
 <p:presentation xmlns:a="http://schemas.openxmlformats.org/drawingml/2006/main" xmlns:r="http://schemas.openxmlformats.org/officeDocument/2006/relationships" xmlns:p="http://schemas.openxmlformats.org/presentationml/2006/main" autoCompressPictures="0">
   <p:sldMasterIdLst>
-    <p:sldMasterId id="2147483776" r:id="rId1"/>
+    <p:sldMasterId id="2147483938" r:id="rId1"/>
   </p:sldMasterIdLst>
   <p:sldIdLst>
     <p:sldId id="256" r:id="rId2"/>
@@ -166,7 +166,7 @@
           <a:noFill/>
           <a:extLst>
             <a:ext uri="{909E8E84-426E-40dd-AFC4-6F175D3DCCD1}">
-              <a14:hiddenFill xmlns="" xmlns:a14="http://schemas.microsoft.com/office/drawing/2010/main">
+              <a14:hiddenFill xmlns:a14="http://schemas.microsoft.com/office/drawing/2010/main" xmlns="">
                 <a:solidFill>
                   <a:srgbClr val="FFFFFF"/>
                 </a:solidFill>
@@ -226,7 +226,7 @@
             </a:ln>
             <a:extLst>
               <a:ext uri="{91240B29-F687-4f45-9708-019B960494DF}">
-                <a14:hiddenLine xmlns="" xmlns:a14="http://schemas.microsoft.com/office/drawing/2010/main" w="9525">
+                <a14:hiddenLine xmlns:a14="http://schemas.microsoft.com/office/drawing/2010/main" xmlns="" w="9525">
                   <a:solidFill>
                     <a:srgbClr val="000000"/>
                   </a:solidFill>
@@ -316,7 +316,7 @@
             </a:ln>
             <a:extLst>
               <a:ext uri="{91240B29-F687-4f45-9708-019B960494DF}">
-                <a14:hiddenLine xmlns="" xmlns:a14="http://schemas.microsoft.com/office/drawing/2010/main" w="9525">
+                <a14:hiddenLine xmlns:a14="http://schemas.microsoft.com/office/drawing/2010/main" xmlns="" w="9525">
                   <a:solidFill>
                     <a:srgbClr val="000000"/>
                   </a:solidFill>
@@ -406,7 +406,7 @@
             </a:ln>
             <a:extLst>
               <a:ext uri="{91240B29-F687-4f45-9708-019B960494DF}">
-                <a14:hiddenLine xmlns="" xmlns:a14="http://schemas.microsoft.com/office/drawing/2010/main" w="9525">
+                <a14:hiddenLine xmlns:a14="http://schemas.microsoft.com/office/drawing/2010/main" xmlns="" w="9525">
                   <a:solidFill>
                     <a:srgbClr val="000000"/>
                   </a:solidFill>
@@ -440,7 +440,7 @@
             </a:ln>
             <a:extLst>
               <a:ext uri="{91240B29-F687-4f45-9708-019B960494DF}">
-                <a14:hiddenLine xmlns="" xmlns:a14="http://schemas.microsoft.com/office/drawing/2010/main" w="9525">
+                <a14:hiddenLine xmlns:a14="http://schemas.microsoft.com/office/drawing/2010/main" xmlns="" w="9525">
                   <a:solidFill>
                     <a:srgbClr val="000000"/>
                   </a:solidFill>
@@ -530,7 +530,7 @@
             </a:ln>
             <a:extLst>
               <a:ext uri="{91240B29-F687-4f45-9708-019B960494DF}">
-                <a14:hiddenLine xmlns="" xmlns:a14="http://schemas.microsoft.com/office/drawing/2010/main" w="9525">
+                <a14:hiddenLine xmlns:a14="http://schemas.microsoft.com/office/drawing/2010/main" xmlns="" w="9525">
                   <a:solidFill>
                     <a:srgbClr val="000000"/>
                   </a:solidFill>
@@ -592,7 +592,7 @@
             </a:ln>
             <a:extLst>
               <a:ext uri="{91240B29-F687-4f45-9708-019B960494DF}">
-                <a14:hiddenLine xmlns="" xmlns:a14="http://schemas.microsoft.com/office/drawing/2010/main" w="9525">
+                <a14:hiddenLine xmlns:a14="http://schemas.microsoft.com/office/drawing/2010/main" xmlns="" w="9525">
                   <a:solidFill>
                     <a:srgbClr val="000000"/>
                   </a:solidFill>
@@ -654,7 +654,7 @@
             </a:ln>
             <a:extLst>
               <a:ext uri="{91240B29-F687-4f45-9708-019B960494DF}">
-                <a14:hiddenLine xmlns="" xmlns:a14="http://schemas.microsoft.com/office/drawing/2010/main" w="9525">
+                <a14:hiddenLine xmlns:a14="http://schemas.microsoft.com/office/drawing/2010/main" xmlns="" w="9525">
                   <a:solidFill>
                     <a:srgbClr val="000000"/>
                   </a:solidFill>
@@ -744,7 +744,7 @@
             </a:ln>
             <a:extLst>
               <a:ext uri="{91240B29-F687-4f45-9708-019B960494DF}">
-                <a14:hiddenLine xmlns="" xmlns:a14="http://schemas.microsoft.com/office/drawing/2010/main" w="9525">
+                <a14:hiddenLine xmlns:a14="http://schemas.microsoft.com/office/drawing/2010/main" xmlns="" w="9525">
                   <a:solidFill>
                     <a:srgbClr val="000000"/>
                   </a:solidFill>
@@ -806,7 +806,7 @@
             </a:ln>
             <a:extLst>
               <a:ext uri="{91240B29-F687-4f45-9708-019B960494DF}">
-                <a14:hiddenLine xmlns="" xmlns:a14="http://schemas.microsoft.com/office/drawing/2010/main" w="9525">
+                <a14:hiddenLine xmlns:a14="http://schemas.microsoft.com/office/drawing/2010/main" xmlns="" w="9525">
                   <a:solidFill>
                     <a:srgbClr val="000000"/>
                   </a:solidFill>
@@ -868,7 +868,7 @@
             </a:ln>
             <a:extLst>
               <a:ext uri="{91240B29-F687-4f45-9708-019B960494DF}">
-                <a14:hiddenLine xmlns="" xmlns:a14="http://schemas.microsoft.com/office/drawing/2010/main" w="9525">
+                <a14:hiddenLine xmlns:a14="http://schemas.microsoft.com/office/drawing/2010/main" xmlns="" w="9525">
                   <a:solidFill>
                     <a:srgbClr val="000000"/>
                   </a:solidFill>
@@ -958,7 +958,7 @@
             </a:ln>
             <a:extLst>
               <a:ext uri="{91240B29-F687-4f45-9708-019B960494DF}">
-                <a14:hiddenLine xmlns="" xmlns:a14="http://schemas.microsoft.com/office/drawing/2010/main" w="9525">
+                <a14:hiddenLine xmlns:a14="http://schemas.microsoft.com/office/drawing/2010/main" xmlns="" w="9525">
                   <a:solidFill>
                     <a:srgbClr val="000000"/>
                   </a:solidFill>
@@ -1048,7 +1048,7 @@
             </a:ln>
             <a:extLst>
               <a:ext uri="{91240B29-F687-4f45-9708-019B960494DF}">
-                <a14:hiddenLine xmlns="" xmlns:a14="http://schemas.microsoft.com/office/drawing/2010/main" w="9525">
+                <a14:hiddenLine xmlns:a14="http://schemas.microsoft.com/office/drawing/2010/main" xmlns="" w="9525">
                   <a:solidFill>
                     <a:srgbClr val="000000"/>
                   </a:solidFill>
@@ -1110,7 +1110,7 @@
             </a:ln>
             <a:extLst>
               <a:ext uri="{91240B29-F687-4f45-9708-019B960494DF}">
-                <a14:hiddenLine xmlns="" xmlns:a14="http://schemas.microsoft.com/office/drawing/2010/main" w="9525">
+                <a14:hiddenLine xmlns:a14="http://schemas.microsoft.com/office/drawing/2010/main" xmlns="" w="9525">
                   <a:solidFill>
                     <a:srgbClr val="000000"/>
                   </a:solidFill>
@@ -1220,7 +1220,7 @@
             </a:ln>
             <a:extLst>
               <a:ext uri="{91240B29-F687-4f45-9708-019B960494DF}">
-                <a14:hiddenLine xmlns="" xmlns:a14="http://schemas.microsoft.com/office/drawing/2010/main" w="9525">
+                <a14:hiddenLine xmlns:a14="http://schemas.microsoft.com/office/drawing/2010/main" xmlns="" w="9525">
                   <a:solidFill>
                     <a:srgbClr val="000000"/>
                   </a:solidFill>
@@ -1282,7 +1282,7 @@
             </a:ln>
             <a:extLst>
               <a:ext uri="{91240B29-F687-4f45-9708-019B960494DF}">
-                <a14:hiddenLine xmlns="" xmlns:a14="http://schemas.microsoft.com/office/drawing/2010/main" w="9525">
+                <a14:hiddenLine xmlns:a14="http://schemas.microsoft.com/office/drawing/2010/main" xmlns="" w="9525">
                   <a:solidFill>
                     <a:srgbClr val="000000"/>
                   </a:solidFill>
@@ -1372,7 +1372,7 @@
             </a:ln>
             <a:extLst>
               <a:ext uri="{91240B29-F687-4f45-9708-019B960494DF}">
-                <a14:hiddenLine xmlns="" xmlns:a14="http://schemas.microsoft.com/office/drawing/2010/main" w="9525">
+                <a14:hiddenLine xmlns:a14="http://schemas.microsoft.com/office/drawing/2010/main" xmlns="" w="9525">
                   <a:solidFill>
                     <a:srgbClr val="000000"/>
                   </a:solidFill>
@@ -1462,7 +1462,7 @@
             </a:ln>
             <a:extLst>
               <a:ext uri="{91240B29-F687-4f45-9708-019B960494DF}">
-                <a14:hiddenLine xmlns="" xmlns:a14="http://schemas.microsoft.com/office/drawing/2010/main" w="9525">
+                <a14:hiddenLine xmlns:a14="http://schemas.microsoft.com/office/drawing/2010/main" xmlns="" w="9525">
                   <a:solidFill>
                     <a:srgbClr val="000000"/>
                   </a:solidFill>
@@ -1524,7 +1524,7 @@
             </a:ln>
             <a:extLst>
               <a:ext uri="{91240B29-F687-4f45-9708-019B960494DF}">
-                <a14:hiddenLine xmlns="" xmlns:a14="http://schemas.microsoft.com/office/drawing/2010/main" w="9525">
+                <a14:hiddenLine xmlns:a14="http://schemas.microsoft.com/office/drawing/2010/main" xmlns="" w="9525">
                   <a:solidFill>
                     <a:srgbClr val="000000"/>
                   </a:solidFill>
@@ -1614,7 +1614,7 @@
             </a:ln>
             <a:extLst>
               <a:ext uri="{91240B29-F687-4f45-9708-019B960494DF}">
-                <a14:hiddenLine xmlns="" xmlns:a14="http://schemas.microsoft.com/office/drawing/2010/main" w="9525">
+                <a14:hiddenLine xmlns:a14="http://schemas.microsoft.com/office/drawing/2010/main" xmlns="" w="9525">
                   <a:solidFill>
                     <a:srgbClr val="000000"/>
                   </a:solidFill>
@@ -1704,7 +1704,7 @@
             </a:ln>
             <a:extLst>
               <a:ext uri="{91240B29-F687-4f45-9708-019B960494DF}">
-                <a14:hiddenLine xmlns="" xmlns:a14="http://schemas.microsoft.com/office/drawing/2010/main" w="9525">
+                <a14:hiddenLine xmlns:a14="http://schemas.microsoft.com/office/drawing/2010/main" xmlns="" w="9525">
                   <a:solidFill>
                     <a:srgbClr val="000000"/>
                   </a:solidFill>
@@ -1760,7 +1760,7 @@
             </a:ln>
             <a:extLst>
               <a:ext uri="{91240B29-F687-4f45-9708-019B960494DF}">
-                <a14:hiddenLine xmlns="" xmlns:a14="http://schemas.microsoft.com/office/drawing/2010/main" w="9525">
+                <a14:hiddenLine xmlns:a14="http://schemas.microsoft.com/office/drawing/2010/main" xmlns="" w="9525">
                   <a:solidFill>
                     <a:srgbClr val="000000"/>
                   </a:solidFill>
@@ -1850,7 +1850,7 @@
             </a:ln>
             <a:extLst>
               <a:ext uri="{91240B29-F687-4f45-9708-019B960494DF}">
-                <a14:hiddenLine xmlns="" xmlns:a14="http://schemas.microsoft.com/office/drawing/2010/main" w="9525">
+                <a14:hiddenLine xmlns:a14="http://schemas.microsoft.com/office/drawing/2010/main" xmlns="" w="9525">
                   <a:solidFill>
                     <a:srgbClr val="000000"/>
                   </a:solidFill>
@@ -1906,7 +1906,7 @@
             </a:ln>
             <a:extLst>
               <a:ext uri="{91240B29-F687-4f45-9708-019B960494DF}">
-                <a14:hiddenLine xmlns="" xmlns:a14="http://schemas.microsoft.com/office/drawing/2010/main" w="9525">
+                <a14:hiddenLine xmlns:a14="http://schemas.microsoft.com/office/drawing/2010/main" xmlns="" w="9525">
                   <a:solidFill>
                     <a:srgbClr val="000000"/>
                   </a:solidFill>
@@ -1996,7 +1996,7 @@
             </a:ln>
             <a:extLst>
               <a:ext uri="{91240B29-F687-4f45-9708-019B960494DF}">
-                <a14:hiddenLine xmlns="" xmlns:a14="http://schemas.microsoft.com/office/drawing/2010/main" w="9525">
+                <a14:hiddenLine xmlns:a14="http://schemas.microsoft.com/office/drawing/2010/main" xmlns="" w="9525">
                   <a:solidFill>
                     <a:srgbClr val="000000"/>
                   </a:solidFill>
@@ -2064,7 +2064,7 @@
             </a:ln>
             <a:extLst>
               <a:ext uri="{91240B29-F687-4f45-9708-019B960494DF}">
-                <a14:hiddenLine xmlns="" xmlns:a14="http://schemas.microsoft.com/office/drawing/2010/main" w="9525">
+                <a14:hiddenLine xmlns:a14="http://schemas.microsoft.com/office/drawing/2010/main" xmlns="" w="9525">
                   <a:solidFill>
                     <a:srgbClr val="000000"/>
                   </a:solidFill>
@@ -2154,7 +2154,7 @@
             </a:ln>
             <a:extLst>
               <a:ext uri="{91240B29-F687-4f45-9708-019B960494DF}">
-                <a14:hiddenLine xmlns="" xmlns:a14="http://schemas.microsoft.com/office/drawing/2010/main" w="9525">
+                <a14:hiddenLine xmlns:a14="http://schemas.microsoft.com/office/drawing/2010/main" xmlns="" w="9525">
                   <a:solidFill>
                     <a:srgbClr val="000000"/>
                   </a:solidFill>
@@ -2222,7 +2222,7 @@
             </a:ln>
             <a:extLst>
               <a:ext uri="{91240B29-F687-4f45-9708-019B960494DF}">
-                <a14:hiddenLine xmlns="" xmlns:a14="http://schemas.microsoft.com/office/drawing/2010/main" w="9525">
+                <a14:hiddenLine xmlns:a14="http://schemas.microsoft.com/office/drawing/2010/main" xmlns="" w="9525">
                   <a:solidFill>
                     <a:srgbClr val="000000"/>
                   </a:solidFill>
@@ -2312,7 +2312,7 @@
             </a:ln>
             <a:extLst>
               <a:ext uri="{91240B29-F687-4f45-9708-019B960494DF}">
-                <a14:hiddenLine xmlns="" xmlns:a14="http://schemas.microsoft.com/office/drawing/2010/main" w="9525">
+                <a14:hiddenLine xmlns:a14="http://schemas.microsoft.com/office/drawing/2010/main" xmlns="" w="9525">
                   <a:solidFill>
                     <a:srgbClr val="000000"/>
                   </a:solidFill>
@@ -2346,7 +2346,7 @@
             </a:ln>
             <a:extLst>
               <a:ext uri="{91240B29-F687-4f45-9708-019B960494DF}">
-                <a14:hiddenLine xmlns="" xmlns:a14="http://schemas.microsoft.com/office/drawing/2010/main" w="9525">
+                <a14:hiddenLine xmlns:a14="http://schemas.microsoft.com/office/drawing/2010/main" xmlns="" w="9525">
                   <a:solidFill>
                     <a:srgbClr val="000000"/>
                   </a:solidFill>
@@ -2436,7 +2436,7 @@
             </a:ln>
             <a:extLst>
               <a:ext uri="{91240B29-F687-4f45-9708-019B960494DF}">
-                <a14:hiddenLine xmlns="" xmlns:a14="http://schemas.microsoft.com/office/drawing/2010/main" w="9525">
+                <a14:hiddenLine xmlns:a14="http://schemas.microsoft.com/office/drawing/2010/main" xmlns="" w="9525">
                   <a:solidFill>
                     <a:srgbClr val="000000"/>
                   </a:solidFill>
@@ -2498,7 +2498,7 @@
             </a:ln>
             <a:extLst>
               <a:ext uri="{91240B29-F687-4f45-9708-019B960494DF}">
-                <a14:hiddenLine xmlns="" xmlns:a14="http://schemas.microsoft.com/office/drawing/2010/main" w="9525">
+                <a14:hiddenLine xmlns:a14="http://schemas.microsoft.com/office/drawing/2010/main" xmlns="" w="9525">
                   <a:solidFill>
                     <a:srgbClr val="000000"/>
                   </a:solidFill>
@@ -2560,7 +2560,7 @@
             </a:ln>
             <a:extLst>
               <a:ext uri="{91240B29-F687-4f45-9708-019B960494DF}">
-                <a14:hiddenLine xmlns="" xmlns:a14="http://schemas.microsoft.com/office/drawing/2010/main" w="9525">
+                <a14:hiddenLine xmlns:a14="http://schemas.microsoft.com/office/drawing/2010/main" xmlns="" w="9525">
                   <a:solidFill>
                     <a:srgbClr val="000000"/>
                   </a:solidFill>
@@ -2650,7 +2650,7 @@
             </a:ln>
             <a:extLst>
               <a:ext uri="{91240B29-F687-4f45-9708-019B960494DF}">
-                <a14:hiddenLine xmlns="" xmlns:a14="http://schemas.microsoft.com/office/drawing/2010/main" w="9525">
+                <a14:hiddenLine xmlns:a14="http://schemas.microsoft.com/office/drawing/2010/main" xmlns="" w="9525">
                   <a:solidFill>
                     <a:srgbClr val="000000"/>
                   </a:solidFill>
@@ -2718,7 +2718,7 @@
             </a:ln>
             <a:extLst>
               <a:ext uri="{91240B29-F687-4f45-9708-019B960494DF}">
-                <a14:hiddenLine xmlns="" xmlns:a14="http://schemas.microsoft.com/office/drawing/2010/main" w="9525">
+                <a14:hiddenLine xmlns:a14="http://schemas.microsoft.com/office/drawing/2010/main" xmlns="" w="9525">
                   <a:solidFill>
                     <a:srgbClr val="000000"/>
                   </a:solidFill>
@@ -2780,7 +2780,7 @@
             </a:ln>
             <a:extLst>
               <a:ext uri="{91240B29-F687-4f45-9708-019B960494DF}">
-                <a14:hiddenLine xmlns="" xmlns:a14="http://schemas.microsoft.com/office/drawing/2010/main" w="9525">
+                <a14:hiddenLine xmlns:a14="http://schemas.microsoft.com/office/drawing/2010/main" xmlns="" w="9525">
                   <a:solidFill>
                     <a:srgbClr val="000000"/>
                   </a:solidFill>
@@ -2870,7 +2870,7 @@
             </a:ln>
             <a:extLst>
               <a:ext uri="{91240B29-F687-4f45-9708-019B960494DF}">
-                <a14:hiddenLine xmlns="" xmlns:a14="http://schemas.microsoft.com/office/drawing/2010/main" w="9525">
+                <a14:hiddenLine xmlns:a14="http://schemas.microsoft.com/office/drawing/2010/main" xmlns="" w="9525">
                   <a:solidFill>
                     <a:srgbClr val="000000"/>
                   </a:solidFill>
@@ -2932,7 +2932,7 @@
             </a:ln>
             <a:extLst>
               <a:ext uri="{91240B29-F687-4f45-9708-019B960494DF}">
-                <a14:hiddenLine xmlns="" xmlns:a14="http://schemas.microsoft.com/office/drawing/2010/main" w="9525">
+                <a14:hiddenLine xmlns:a14="http://schemas.microsoft.com/office/drawing/2010/main" xmlns="" w="9525">
                   <a:solidFill>
                     <a:srgbClr val="000000"/>
                   </a:solidFill>
@@ -3022,7 +3022,7 @@
             </a:ln>
             <a:extLst>
               <a:ext uri="{91240B29-F687-4f45-9708-019B960494DF}">
-                <a14:hiddenLine xmlns="" xmlns:a14="http://schemas.microsoft.com/office/drawing/2010/main" w="9525">
+                <a14:hiddenLine xmlns:a14="http://schemas.microsoft.com/office/drawing/2010/main" xmlns="" w="9525">
                   <a:solidFill>
                     <a:srgbClr val="000000"/>
                   </a:solidFill>
@@ -3084,7 +3084,7 @@
             </a:ln>
             <a:extLst>
               <a:ext uri="{91240B29-F687-4f45-9708-019B960494DF}">
-                <a14:hiddenLine xmlns="" xmlns:a14="http://schemas.microsoft.com/office/drawing/2010/main" w="9525">
+                <a14:hiddenLine xmlns:a14="http://schemas.microsoft.com/office/drawing/2010/main" xmlns="" w="9525">
                   <a:solidFill>
                     <a:srgbClr val="000000"/>
                   </a:solidFill>
@@ -3174,7 +3174,7 @@
             </a:ln>
             <a:extLst>
               <a:ext uri="{91240B29-F687-4f45-9708-019B960494DF}">
-                <a14:hiddenLine xmlns="" xmlns:a14="http://schemas.microsoft.com/office/drawing/2010/main" w="9525">
+                <a14:hiddenLine xmlns:a14="http://schemas.microsoft.com/office/drawing/2010/main" xmlns="" w="9525">
                   <a:solidFill>
                     <a:srgbClr val="000000"/>
                   </a:solidFill>
@@ -3208,7 +3208,7 @@
             </a:ln>
             <a:extLst>
               <a:ext uri="{91240B29-F687-4f45-9708-019B960494DF}">
-                <a14:hiddenLine xmlns="" xmlns:a14="http://schemas.microsoft.com/office/drawing/2010/main" w="9525">
+                <a14:hiddenLine xmlns:a14="http://schemas.microsoft.com/office/drawing/2010/main" xmlns="" w="9525">
                   <a:solidFill>
                     <a:srgbClr val="000000"/>
                   </a:solidFill>
@@ -3273,7 +3273,7 @@
             </a:ln>
             <a:extLst>
               <a:ext uri="{91240B29-F687-4f45-9708-019B960494DF}">
-                <a14:hiddenLine xmlns="" xmlns:a14="http://schemas.microsoft.com/office/drawing/2010/main" w="9525">
+                <a14:hiddenLine xmlns:a14="http://schemas.microsoft.com/office/drawing/2010/main" xmlns="" w="9525">
                   <a:solidFill>
                     <a:srgbClr val="000000"/>
                   </a:solidFill>
@@ -3363,7 +3363,7 @@
             </a:ln>
             <a:extLst>
               <a:ext uri="{91240B29-F687-4f45-9708-019B960494DF}">
-                <a14:hiddenLine xmlns="" xmlns:a14="http://schemas.microsoft.com/office/drawing/2010/main" w="9525">
+                <a14:hiddenLine xmlns:a14="http://schemas.microsoft.com/office/drawing/2010/main" xmlns="" w="9525">
                   <a:solidFill>
                     <a:srgbClr val="000000"/>
                   </a:solidFill>
@@ -3425,7 +3425,7 @@
             </a:ln>
             <a:extLst>
               <a:ext uri="{91240B29-F687-4f45-9708-019B960494DF}">
-                <a14:hiddenLine xmlns="" xmlns:a14="http://schemas.microsoft.com/office/drawing/2010/main" w="9525">
+                <a14:hiddenLine xmlns:a14="http://schemas.microsoft.com/office/drawing/2010/main" xmlns="" w="9525">
                   <a:solidFill>
                     <a:srgbClr val="000000"/>
                   </a:solidFill>
@@ -3515,7 +3515,7 @@
             </a:ln>
             <a:extLst>
               <a:ext uri="{91240B29-F687-4f45-9708-019B960494DF}">
-                <a14:hiddenLine xmlns="" xmlns:a14="http://schemas.microsoft.com/office/drawing/2010/main" w="9525">
+                <a14:hiddenLine xmlns:a14="http://schemas.microsoft.com/office/drawing/2010/main" xmlns="" w="9525">
                   <a:solidFill>
                     <a:srgbClr val="000000"/>
                   </a:solidFill>
@@ -3605,7 +3605,7 @@
             </a:ln>
             <a:extLst>
               <a:ext uri="{91240B29-F687-4f45-9708-019B960494DF}">
-                <a14:hiddenLine xmlns="" xmlns:a14="http://schemas.microsoft.com/office/drawing/2010/main" w="9525">
+                <a14:hiddenLine xmlns:a14="http://schemas.microsoft.com/office/drawing/2010/main" xmlns="" w="9525">
                   <a:solidFill>
                     <a:srgbClr val="000000"/>
                   </a:solidFill>
@@ -3670,7 +3670,7 @@
             </a:ln>
             <a:extLst>
               <a:ext uri="{91240B29-F687-4f45-9708-019B960494DF}">
-                <a14:hiddenLine xmlns="" xmlns:a14="http://schemas.microsoft.com/office/drawing/2010/main" w="9525">
+                <a14:hiddenLine xmlns:a14="http://schemas.microsoft.com/office/drawing/2010/main" xmlns="" w="9525">
                   <a:solidFill>
                     <a:srgbClr val="000000"/>
                   </a:solidFill>
@@ -3732,7 +3732,7 @@
             </a:ln>
             <a:extLst>
               <a:ext uri="{91240B29-F687-4f45-9708-019B960494DF}">
-                <a14:hiddenLine xmlns="" xmlns:a14="http://schemas.microsoft.com/office/drawing/2010/main" w="9525">
+                <a14:hiddenLine xmlns:a14="http://schemas.microsoft.com/office/drawing/2010/main" xmlns="" w="9525">
                   <a:solidFill>
                     <a:srgbClr val="000000"/>
                   </a:solidFill>
@@ -3822,7 +3822,7 @@
             </a:ln>
             <a:extLst>
               <a:ext uri="{91240B29-F687-4f45-9708-019B960494DF}">
-                <a14:hiddenLine xmlns="" xmlns:a14="http://schemas.microsoft.com/office/drawing/2010/main" w="9525">
+                <a14:hiddenLine xmlns:a14="http://schemas.microsoft.com/office/drawing/2010/main" xmlns="" w="9525">
                   <a:solidFill>
                     <a:srgbClr val="000000"/>
                   </a:solidFill>
@@ -3912,7 +3912,7 @@
             </a:ln>
             <a:extLst>
               <a:ext uri="{91240B29-F687-4f45-9708-019B960494DF}">
-                <a14:hiddenLine xmlns="" xmlns:a14="http://schemas.microsoft.com/office/drawing/2010/main" w="9525">
+                <a14:hiddenLine xmlns:a14="http://schemas.microsoft.com/office/drawing/2010/main" xmlns="" w="9525">
                   <a:solidFill>
                     <a:srgbClr val="000000"/>
                   </a:solidFill>
@@ -3974,7 +3974,7 @@
             </a:ln>
             <a:extLst>
               <a:ext uri="{91240B29-F687-4f45-9708-019B960494DF}">
-                <a14:hiddenLine xmlns="" xmlns:a14="http://schemas.microsoft.com/office/drawing/2010/main" w="9525">
+                <a14:hiddenLine xmlns:a14="http://schemas.microsoft.com/office/drawing/2010/main" xmlns="" w="9525">
                   <a:solidFill>
                     <a:srgbClr val="000000"/>
                   </a:solidFill>
@@ -4094,7 +4094,7 @@
             </a:ln>
             <a:extLst>
               <a:ext uri="{91240B29-F687-4f45-9708-019B960494DF}">
-                <a14:hiddenLine xmlns="" xmlns:a14="http://schemas.microsoft.com/office/drawing/2010/main" w="9525">
+                <a14:hiddenLine xmlns:a14="http://schemas.microsoft.com/office/drawing/2010/main" xmlns="" w="9525">
                   <a:solidFill>
                     <a:srgbClr val="000000"/>
                   </a:solidFill>
@@ -4162,7 +4162,7 @@
             </a:ln>
             <a:extLst>
               <a:ext uri="{91240B29-F687-4f45-9708-019B960494DF}">
-                <a14:hiddenLine xmlns="" xmlns:a14="http://schemas.microsoft.com/office/drawing/2010/main" w="9525">
+                <a14:hiddenLine xmlns:a14="http://schemas.microsoft.com/office/drawing/2010/main" xmlns="" w="9525">
                   <a:solidFill>
                     <a:srgbClr val="000000"/>
                   </a:solidFill>
@@ -4252,7 +4252,7 @@
             </a:ln>
             <a:extLst>
               <a:ext uri="{91240B29-F687-4f45-9708-019B960494DF}">
-                <a14:hiddenLine xmlns="" xmlns:a14="http://schemas.microsoft.com/office/drawing/2010/main" w="9525">
+                <a14:hiddenLine xmlns:a14="http://schemas.microsoft.com/office/drawing/2010/main" xmlns="" w="9525">
                   <a:solidFill>
                     <a:srgbClr val="000000"/>
                   </a:solidFill>
@@ -4393,7 +4393,7 @@
             <a:fld id="{B61BEF0D-F0BB-DE4B-95CE-6DB70DBA9567}" type="datetimeFigureOut">
               <a:rPr lang="en-US" smtClean="0"/>
               <a:pPr/>
-              <a:t>7/28/2014</a:t>
+              <a:t>7/31/2014</a:t>
             </a:fld>
             <a:endParaRPr lang="en-US" dirty="0"/>
           </a:p>
@@ -4455,7 +4455,7 @@
     </p:spTree>
     <p:extLst>
       <p:ext uri="{BB962C8B-B14F-4D97-AF65-F5344CB8AC3E}">
-        <p14:creationId xmlns:p14="http://schemas.microsoft.com/office/powerpoint/2010/main" val="3156740200"/>
+        <p14:creationId xmlns:p14="http://schemas.microsoft.com/office/powerpoint/2010/main" val="3203116588"/>
       </p:ext>
     </p:extLst>
   </p:cSld>
@@ -4662,7 +4662,7 @@
             <a:fld id="{B61BEF0D-F0BB-DE4B-95CE-6DB70DBA9567}" type="datetimeFigureOut">
               <a:rPr lang="en-US" smtClean="0"/>
               <a:pPr/>
-              <a:t>7/28/2014</a:t>
+              <a:t>7/31/2014</a:t>
             </a:fld>
             <a:endParaRPr lang="en-US" dirty="0"/>
           </a:p>
@@ -4714,7 +4714,7 @@
     </p:spTree>
     <p:extLst>
       <p:ext uri="{BB962C8B-B14F-4D97-AF65-F5344CB8AC3E}">
-        <p14:creationId xmlns:p14="http://schemas.microsoft.com/office/powerpoint/2010/main" val="3328285868"/>
+        <p14:creationId xmlns:p14="http://schemas.microsoft.com/office/powerpoint/2010/main" val="3840453662"/>
       </p:ext>
     </p:extLst>
   </p:cSld>
@@ -4860,7 +4860,7 @@
             <a:fld id="{B61BEF0D-F0BB-DE4B-95CE-6DB70DBA9567}" type="datetimeFigureOut">
               <a:rPr lang="en-US" smtClean="0"/>
               <a:pPr/>
-              <a:t>7/28/2014</a:t>
+              <a:t>7/31/2014</a:t>
             </a:fld>
             <a:endParaRPr lang="en-US" dirty="0"/>
           </a:p>
@@ -4912,7 +4912,7 @@
     </p:spTree>
     <p:extLst>
       <p:ext uri="{BB962C8B-B14F-4D97-AF65-F5344CB8AC3E}">
-        <p14:creationId xmlns:p14="http://schemas.microsoft.com/office/powerpoint/2010/main" val="1989669321"/>
+        <p14:creationId xmlns:p14="http://schemas.microsoft.com/office/powerpoint/2010/main" val="361796108"/>
       </p:ext>
     </p:extLst>
   </p:cSld>
@@ -5125,7 +5125,7 @@
             <a:fld id="{B61BEF0D-F0BB-DE4B-95CE-6DB70DBA9567}" type="datetimeFigureOut">
               <a:rPr lang="en-US" smtClean="0"/>
               <a:pPr/>
-              <a:t>7/28/2014</a:t>
+              <a:t>7/31/2014</a:t>
             </a:fld>
             <a:endParaRPr lang="en-US" dirty="0"/>
           </a:p>
@@ -5415,7 +5415,7 @@
     </p:spTree>
     <p:extLst>
       <p:ext uri="{BB962C8B-B14F-4D97-AF65-F5344CB8AC3E}">
-        <p14:creationId xmlns:p14="http://schemas.microsoft.com/office/powerpoint/2010/main" val="3962416333"/>
+        <p14:creationId xmlns:p14="http://schemas.microsoft.com/office/powerpoint/2010/main" val="191278042"/>
       </p:ext>
     </p:extLst>
   </p:cSld>
@@ -5561,7 +5561,7 @@
             <a:fld id="{B61BEF0D-F0BB-DE4B-95CE-6DB70DBA9567}" type="datetimeFigureOut">
               <a:rPr lang="en-US" smtClean="0"/>
               <a:pPr/>
-              <a:t>7/28/2014</a:t>
+              <a:t>7/31/2014</a:t>
             </a:fld>
             <a:endParaRPr lang="en-US" dirty="0"/>
           </a:p>
@@ -5613,7 +5613,7 @@
     </p:spTree>
     <p:extLst>
       <p:ext uri="{BB962C8B-B14F-4D97-AF65-F5344CB8AC3E}">
-        <p14:creationId xmlns:p14="http://schemas.microsoft.com/office/powerpoint/2010/main" val="700762178"/>
+        <p14:creationId xmlns:p14="http://schemas.microsoft.com/office/powerpoint/2010/main" val="720346700"/>
       </p:ext>
     </p:extLst>
   </p:cSld>
@@ -6109,7 +6109,7 @@
             <a:fld id="{B61BEF0D-F0BB-DE4B-95CE-6DB70DBA9567}" type="datetimeFigureOut">
               <a:rPr lang="en-US" smtClean="0"/>
               <a:pPr/>
-              <a:t>7/28/2014</a:t>
+              <a:t>7/31/2014</a:t>
             </a:fld>
             <a:endParaRPr lang="en-US" dirty="0"/>
           </a:p>
@@ -6161,7 +6161,7 @@
     </p:spTree>
     <p:extLst>
       <p:ext uri="{BB962C8B-B14F-4D97-AF65-F5344CB8AC3E}">
-        <p14:creationId xmlns:p14="http://schemas.microsoft.com/office/powerpoint/2010/main" val="1559278699"/>
+        <p14:creationId xmlns:p14="http://schemas.microsoft.com/office/powerpoint/2010/main" val="2937626323"/>
       </p:ext>
     </p:extLst>
   </p:cSld>
@@ -6831,7 +6831,7 @@
             <a:fld id="{B61BEF0D-F0BB-DE4B-95CE-6DB70DBA9567}" type="datetimeFigureOut">
               <a:rPr lang="en-US" smtClean="0"/>
               <a:pPr/>
-              <a:t>7/28/2014</a:t>
+              <a:t>7/31/2014</a:t>
             </a:fld>
             <a:endParaRPr lang="en-US" dirty="0"/>
           </a:p>
@@ -6883,7 +6883,7 @@
     </p:spTree>
     <p:extLst>
       <p:ext uri="{BB962C8B-B14F-4D97-AF65-F5344CB8AC3E}">
-        <p14:creationId xmlns:p14="http://schemas.microsoft.com/office/powerpoint/2010/main" val="1800627974"/>
+        <p14:creationId xmlns:p14="http://schemas.microsoft.com/office/powerpoint/2010/main" val="985876230"/>
       </p:ext>
     </p:extLst>
   </p:cSld>
@@ -7035,7 +7035,7 @@
             <a:fld id="{B61BEF0D-F0BB-DE4B-95CE-6DB70DBA9567}" type="datetimeFigureOut">
               <a:rPr lang="en-US" smtClean="0"/>
               <a:pPr/>
-              <a:t>7/28/2014</a:t>
+              <a:t>7/31/2014</a:t>
             </a:fld>
             <a:endParaRPr lang="en-US" dirty="0"/>
           </a:p>
@@ -7087,7 +7087,7 @@
     </p:spTree>
     <p:extLst>
       <p:ext uri="{BB962C8B-B14F-4D97-AF65-F5344CB8AC3E}">
-        <p14:creationId xmlns:p14="http://schemas.microsoft.com/office/powerpoint/2010/main" val="1240223092"/>
+        <p14:creationId xmlns:p14="http://schemas.microsoft.com/office/powerpoint/2010/main" val="289735883"/>
       </p:ext>
     </p:extLst>
   </p:cSld>
@@ -7249,7 +7249,7 @@
             <a:fld id="{B61BEF0D-F0BB-DE4B-95CE-6DB70DBA9567}" type="datetimeFigureOut">
               <a:rPr lang="en-US" smtClean="0"/>
               <a:pPr/>
-              <a:t>7/28/2014</a:t>
+              <a:t>7/31/2014</a:t>
             </a:fld>
             <a:endParaRPr lang="en-US" dirty="0"/>
           </a:p>
@@ -7301,7 +7301,7 @@
     </p:spTree>
     <p:extLst>
       <p:ext uri="{BB962C8B-B14F-4D97-AF65-F5344CB8AC3E}">
-        <p14:creationId xmlns:p14="http://schemas.microsoft.com/office/powerpoint/2010/main" val="1211386907"/>
+        <p14:creationId xmlns:p14="http://schemas.microsoft.com/office/powerpoint/2010/main" val="2140651446"/>
       </p:ext>
     </p:extLst>
   </p:cSld>
@@ -7453,7 +7453,7 @@
             <a:fld id="{B61BEF0D-F0BB-DE4B-95CE-6DB70DBA9567}" type="datetimeFigureOut">
               <a:rPr lang="en-US" smtClean="0"/>
               <a:pPr/>
-              <a:t>7/28/2014</a:t>
+              <a:t>7/31/2014</a:t>
             </a:fld>
             <a:endParaRPr lang="en-US" dirty="0"/>
           </a:p>
@@ -7505,7 +7505,7 @@
     </p:spTree>
     <p:extLst>
       <p:ext uri="{BB962C8B-B14F-4D97-AF65-F5344CB8AC3E}">
-        <p14:creationId xmlns:p14="http://schemas.microsoft.com/office/powerpoint/2010/main" val="1912907813"/>
+        <p14:creationId xmlns:p14="http://schemas.microsoft.com/office/powerpoint/2010/main" val="153048112"/>
       </p:ext>
     </p:extLst>
   </p:cSld>
@@ -7705,7 +7705,7 @@
             <a:fld id="{B61BEF0D-F0BB-DE4B-95CE-6DB70DBA9567}" type="datetimeFigureOut">
               <a:rPr lang="en-US" smtClean="0"/>
               <a:pPr/>
-              <a:t>7/28/2014</a:t>
+              <a:t>7/31/2014</a:t>
             </a:fld>
             <a:endParaRPr lang="en-US" dirty="0"/>
           </a:p>
@@ -7757,7 +7757,7 @@
     </p:spTree>
     <p:extLst>
       <p:ext uri="{BB962C8B-B14F-4D97-AF65-F5344CB8AC3E}">
-        <p14:creationId xmlns:p14="http://schemas.microsoft.com/office/powerpoint/2010/main" val="4169904404"/>
+        <p14:creationId xmlns:p14="http://schemas.microsoft.com/office/powerpoint/2010/main" val="1079426496"/>
       </p:ext>
     </p:extLst>
   </p:cSld>
@@ -8003,7 +8003,7 @@
             <a:fld id="{B61BEF0D-F0BB-DE4B-95CE-6DB70DBA9567}" type="datetimeFigureOut">
               <a:rPr lang="en-US" smtClean="0"/>
               <a:pPr/>
-              <a:t>7/28/2014</a:t>
+              <a:t>7/31/2014</a:t>
             </a:fld>
             <a:endParaRPr lang="en-US" dirty="0"/>
           </a:p>
@@ -8055,7 +8055,7 @@
     </p:spTree>
     <p:extLst>
       <p:ext uri="{BB962C8B-B14F-4D97-AF65-F5344CB8AC3E}">
-        <p14:creationId xmlns:p14="http://schemas.microsoft.com/office/powerpoint/2010/main" val="3923402268"/>
+        <p14:creationId xmlns:p14="http://schemas.microsoft.com/office/powerpoint/2010/main" val="4155011157"/>
       </p:ext>
     </p:extLst>
   </p:cSld>
@@ -8450,7 +8450,7 @@
             <a:fld id="{B61BEF0D-F0BB-DE4B-95CE-6DB70DBA9567}" type="datetimeFigureOut">
               <a:rPr lang="en-US" smtClean="0"/>
               <a:pPr/>
-              <a:t>7/28/2014</a:t>
+              <a:t>7/31/2014</a:t>
             </a:fld>
             <a:endParaRPr lang="en-US" dirty="0"/>
           </a:p>
@@ -8502,7 +8502,7 @@
     </p:spTree>
     <p:extLst>
       <p:ext uri="{BB962C8B-B14F-4D97-AF65-F5344CB8AC3E}">
-        <p14:creationId xmlns:p14="http://schemas.microsoft.com/office/powerpoint/2010/main" val="2164044934"/>
+        <p14:creationId xmlns:p14="http://schemas.microsoft.com/office/powerpoint/2010/main" val="940813721"/>
       </p:ext>
     </p:extLst>
   </p:cSld>
@@ -8570,7 +8570,7 @@
             <a:fld id="{B61BEF0D-F0BB-DE4B-95CE-6DB70DBA9567}" type="datetimeFigureOut">
               <a:rPr lang="en-US" smtClean="0"/>
               <a:pPr/>
-              <a:t>7/28/2014</a:t>
+              <a:t>7/31/2014</a:t>
             </a:fld>
             <a:endParaRPr lang="en-US" dirty="0"/>
           </a:p>
@@ -8622,7 +8622,7 @@
     </p:spTree>
     <p:extLst>
       <p:ext uri="{BB962C8B-B14F-4D97-AF65-F5344CB8AC3E}">
-        <p14:creationId xmlns:p14="http://schemas.microsoft.com/office/powerpoint/2010/main" val="506623390"/>
+        <p14:creationId xmlns:p14="http://schemas.microsoft.com/office/powerpoint/2010/main" val="490351302"/>
       </p:ext>
     </p:extLst>
   </p:cSld>
@@ -8667,7 +8667,7 @@
             <a:fld id="{B61BEF0D-F0BB-DE4B-95CE-6DB70DBA9567}" type="datetimeFigureOut">
               <a:rPr lang="en-US" smtClean="0"/>
               <a:pPr/>
-              <a:t>7/28/2014</a:t>
+              <a:t>7/31/2014</a:t>
             </a:fld>
             <a:endParaRPr lang="en-US" dirty="0"/>
           </a:p>
@@ -8719,7 +8719,7 @@
     </p:spTree>
     <p:extLst>
       <p:ext uri="{BB962C8B-B14F-4D97-AF65-F5344CB8AC3E}">
-        <p14:creationId xmlns:p14="http://schemas.microsoft.com/office/powerpoint/2010/main" val="3826742586"/>
+        <p14:creationId xmlns:p14="http://schemas.microsoft.com/office/powerpoint/2010/main" val="1388666088"/>
       </p:ext>
     </p:extLst>
   </p:cSld>
@@ -8950,7 +8950,7 @@
             <a:fld id="{B61BEF0D-F0BB-DE4B-95CE-6DB70DBA9567}" type="datetimeFigureOut">
               <a:rPr lang="en-US" smtClean="0"/>
               <a:pPr/>
-              <a:t>7/28/2014</a:t>
+              <a:t>7/31/2014</a:t>
             </a:fld>
             <a:endParaRPr lang="en-US" dirty="0"/>
           </a:p>
@@ -9002,7 +9002,7 @@
     </p:spTree>
     <p:extLst>
       <p:ext uri="{BB962C8B-B14F-4D97-AF65-F5344CB8AC3E}">
-        <p14:creationId xmlns:p14="http://schemas.microsoft.com/office/powerpoint/2010/main" val="4002447160"/>
+        <p14:creationId xmlns:p14="http://schemas.microsoft.com/office/powerpoint/2010/main" val="2861426745"/>
       </p:ext>
     </p:extLst>
   </p:cSld>
@@ -9232,7 +9232,7 @@
             <a:fld id="{B61BEF0D-F0BB-DE4B-95CE-6DB70DBA9567}" type="datetimeFigureOut">
               <a:rPr lang="en-US" smtClean="0"/>
               <a:pPr/>
-              <a:t>7/28/2014</a:t>
+              <a:t>7/31/2014</a:t>
             </a:fld>
             <a:endParaRPr lang="en-US" dirty="0"/>
           </a:p>
@@ -9284,7 +9284,7 @@
     </p:spTree>
     <p:extLst>
       <p:ext uri="{BB962C8B-B14F-4D97-AF65-F5344CB8AC3E}">
-        <p14:creationId xmlns:p14="http://schemas.microsoft.com/office/powerpoint/2010/main" val="1375936943"/>
+        <p14:creationId xmlns:p14="http://schemas.microsoft.com/office/powerpoint/2010/main" val="3528426147"/>
       </p:ext>
     </p:extLst>
   </p:cSld>
@@ -9349,7 +9349,7 @@
           <a:noFill/>
           <a:extLst>
             <a:ext uri="{909E8E84-426E-40dd-AFC4-6F175D3DCCD1}">
-              <a14:hiddenFill xmlns="" xmlns:a14="http://schemas.microsoft.com/office/drawing/2010/main">
+              <a14:hiddenFill xmlns:a14="http://schemas.microsoft.com/office/drawing/2010/main" xmlns="">
                 <a:solidFill>
                   <a:srgbClr val="FFFFFF"/>
                 </a:solidFill>
@@ -9423,7 +9423,7 @@
               </a:ln>
               <a:extLst>
                 <a:ext uri="{91240B29-F687-4f45-9708-019B960494DF}">
-                  <a14:hiddenLine xmlns="" xmlns:a14="http://schemas.microsoft.com/office/drawing/2010/main" w="9525">
+                  <a14:hiddenLine xmlns:a14="http://schemas.microsoft.com/office/drawing/2010/main" xmlns="" w="9525">
                     <a:solidFill>
                       <a:srgbClr val="000000"/>
                     </a:solidFill>
@@ -9513,7 +9513,7 @@
               </a:ln>
               <a:extLst>
                 <a:ext uri="{91240B29-F687-4f45-9708-019B960494DF}">
-                  <a14:hiddenLine xmlns="" xmlns:a14="http://schemas.microsoft.com/office/drawing/2010/main" w="9525">
+                  <a14:hiddenLine xmlns:a14="http://schemas.microsoft.com/office/drawing/2010/main" xmlns="" w="9525">
                     <a:solidFill>
                       <a:srgbClr val="000000"/>
                     </a:solidFill>
@@ -9603,7 +9603,7 @@
               </a:ln>
               <a:extLst>
                 <a:ext uri="{91240B29-F687-4f45-9708-019B960494DF}">
-                  <a14:hiddenLine xmlns="" xmlns:a14="http://schemas.microsoft.com/office/drawing/2010/main" w="9525">
+                  <a14:hiddenLine xmlns:a14="http://schemas.microsoft.com/office/drawing/2010/main" xmlns="" w="9525">
                     <a:solidFill>
                       <a:srgbClr val="000000"/>
                     </a:solidFill>
@@ -9665,7 +9665,7 @@
               </a:ln>
               <a:extLst>
                 <a:ext uri="{91240B29-F687-4f45-9708-019B960494DF}">
-                  <a14:hiddenLine xmlns="" xmlns:a14="http://schemas.microsoft.com/office/drawing/2010/main" w="9525">
+                  <a14:hiddenLine xmlns:a14="http://schemas.microsoft.com/office/drawing/2010/main" xmlns="" w="9525">
                     <a:solidFill>
                       <a:srgbClr val="000000"/>
                     </a:solidFill>
@@ -9755,7 +9755,7 @@
               </a:ln>
               <a:extLst>
                 <a:ext uri="{91240B29-F687-4f45-9708-019B960494DF}">
-                  <a14:hiddenLine xmlns="" xmlns:a14="http://schemas.microsoft.com/office/drawing/2010/main" w="9525">
+                  <a14:hiddenLine xmlns:a14="http://schemas.microsoft.com/office/drawing/2010/main" xmlns="" w="9525">
                     <a:solidFill>
                       <a:srgbClr val="000000"/>
                     </a:solidFill>
@@ -9817,7 +9817,7 @@
               </a:ln>
               <a:extLst>
                 <a:ext uri="{91240B29-F687-4f45-9708-019B960494DF}">
-                  <a14:hiddenLine xmlns="" xmlns:a14="http://schemas.microsoft.com/office/drawing/2010/main" w="9525">
+                  <a14:hiddenLine xmlns:a14="http://schemas.microsoft.com/office/drawing/2010/main" xmlns="" w="9525">
                     <a:solidFill>
                       <a:srgbClr val="000000"/>
                     </a:solidFill>
@@ -9879,7 +9879,7 @@
               </a:ln>
               <a:extLst>
                 <a:ext uri="{91240B29-F687-4f45-9708-019B960494DF}">
-                  <a14:hiddenLine xmlns="" xmlns:a14="http://schemas.microsoft.com/office/drawing/2010/main" w="9525">
+                  <a14:hiddenLine xmlns:a14="http://schemas.microsoft.com/office/drawing/2010/main" xmlns="" w="9525">
                     <a:solidFill>
                       <a:srgbClr val="000000"/>
                     </a:solidFill>
@@ -9969,7 +9969,7 @@
               </a:ln>
               <a:extLst>
                 <a:ext uri="{91240B29-F687-4f45-9708-019B960494DF}">
-                  <a14:hiddenLine xmlns="" xmlns:a14="http://schemas.microsoft.com/office/drawing/2010/main" w="9525">
+                  <a14:hiddenLine xmlns:a14="http://schemas.microsoft.com/office/drawing/2010/main" xmlns="" w="9525">
                     <a:solidFill>
                       <a:srgbClr val="000000"/>
                     </a:solidFill>
@@ -10059,7 +10059,7 @@
               </a:ln>
               <a:extLst>
                 <a:ext uri="{91240B29-F687-4f45-9708-019B960494DF}">
-                  <a14:hiddenLine xmlns="" xmlns:a14="http://schemas.microsoft.com/office/drawing/2010/main" w="9525">
+                  <a14:hiddenLine xmlns:a14="http://schemas.microsoft.com/office/drawing/2010/main" xmlns="" w="9525">
                     <a:solidFill>
                       <a:srgbClr val="000000"/>
                     </a:solidFill>
@@ -10121,7 +10121,7 @@
               </a:ln>
               <a:extLst>
                 <a:ext uri="{91240B29-F687-4f45-9708-019B960494DF}">
-                  <a14:hiddenLine xmlns="" xmlns:a14="http://schemas.microsoft.com/office/drawing/2010/main" w="9525">
+                  <a14:hiddenLine xmlns:a14="http://schemas.microsoft.com/office/drawing/2010/main" xmlns="" w="9525">
                     <a:solidFill>
                       <a:srgbClr val="000000"/>
                     </a:solidFill>
@@ -10231,7 +10231,7 @@
               </a:ln>
               <a:extLst>
                 <a:ext uri="{91240B29-F687-4f45-9708-019B960494DF}">
-                  <a14:hiddenLine xmlns="" xmlns:a14="http://schemas.microsoft.com/office/drawing/2010/main" w="9525">
+                  <a14:hiddenLine xmlns:a14="http://schemas.microsoft.com/office/drawing/2010/main" xmlns="" w="9525">
                     <a:solidFill>
                       <a:srgbClr val="000000"/>
                     </a:solidFill>
@@ -10315,7 +10315,7 @@
               </a:ln>
               <a:extLst>
                 <a:ext uri="{91240B29-F687-4f45-9708-019B960494DF}">
-                  <a14:hiddenLine xmlns="" xmlns:a14="http://schemas.microsoft.com/office/drawing/2010/main" w="9525">
+                  <a14:hiddenLine xmlns:a14="http://schemas.microsoft.com/office/drawing/2010/main" xmlns="" w="9525">
                     <a:solidFill>
                       <a:srgbClr val="000000"/>
                     </a:solidFill>
@@ -10377,7 +10377,7 @@
               </a:ln>
               <a:extLst>
                 <a:ext uri="{91240B29-F687-4f45-9708-019B960494DF}">
-                  <a14:hiddenLine xmlns="" xmlns:a14="http://schemas.microsoft.com/office/drawing/2010/main" w="9525">
+                  <a14:hiddenLine xmlns:a14="http://schemas.microsoft.com/office/drawing/2010/main" xmlns="" w="9525">
                     <a:solidFill>
                       <a:srgbClr val="000000"/>
                     </a:solidFill>
@@ -10439,7 +10439,7 @@
               </a:ln>
               <a:extLst>
                 <a:ext uri="{91240B29-F687-4f45-9708-019B960494DF}">
-                  <a14:hiddenLine xmlns="" xmlns:a14="http://schemas.microsoft.com/office/drawing/2010/main" w="9525">
+                  <a14:hiddenLine xmlns:a14="http://schemas.microsoft.com/office/drawing/2010/main" xmlns="" w="9525">
                     <a:solidFill>
                       <a:srgbClr val="000000"/>
                     </a:solidFill>
@@ -10529,7 +10529,7 @@
               </a:ln>
               <a:extLst>
                 <a:ext uri="{91240B29-F687-4f45-9708-019B960494DF}">
-                  <a14:hiddenLine xmlns="" xmlns:a14="http://schemas.microsoft.com/office/drawing/2010/main" w="9525">
+                  <a14:hiddenLine xmlns:a14="http://schemas.microsoft.com/office/drawing/2010/main" xmlns="" w="9525">
                     <a:solidFill>
                       <a:srgbClr val="000000"/>
                     </a:solidFill>
@@ -10563,7 +10563,7 @@
               </a:ln>
               <a:extLst>
                 <a:ext uri="{91240B29-F687-4f45-9708-019B960494DF}">
-                  <a14:hiddenLine xmlns="" xmlns:a14="http://schemas.microsoft.com/office/drawing/2010/main" w="9525">
+                  <a14:hiddenLine xmlns:a14="http://schemas.microsoft.com/office/drawing/2010/main" xmlns="" w="9525">
                     <a:solidFill>
                       <a:srgbClr val="000000"/>
                     </a:solidFill>
@@ -10628,7 +10628,7 @@
               </a:ln>
               <a:extLst>
                 <a:ext uri="{91240B29-F687-4f45-9708-019B960494DF}">
-                  <a14:hiddenLine xmlns="" xmlns:a14="http://schemas.microsoft.com/office/drawing/2010/main" w="9525">
+                  <a14:hiddenLine xmlns:a14="http://schemas.microsoft.com/office/drawing/2010/main" xmlns="" w="9525">
                     <a:solidFill>
                       <a:srgbClr val="000000"/>
                     </a:solidFill>
@@ -10718,7 +10718,7 @@
               </a:ln>
               <a:extLst>
                 <a:ext uri="{91240B29-F687-4f45-9708-019B960494DF}">
-                  <a14:hiddenLine xmlns="" xmlns:a14="http://schemas.microsoft.com/office/drawing/2010/main" w="9525">
+                  <a14:hiddenLine xmlns:a14="http://schemas.microsoft.com/office/drawing/2010/main" xmlns="" w="9525">
                     <a:solidFill>
                       <a:srgbClr val="000000"/>
                     </a:solidFill>
@@ -10780,7 +10780,7 @@
               </a:ln>
               <a:extLst>
                 <a:ext uri="{91240B29-F687-4f45-9708-019B960494DF}">
-                  <a14:hiddenLine xmlns="" xmlns:a14="http://schemas.microsoft.com/office/drawing/2010/main" w="9525">
+                  <a14:hiddenLine xmlns:a14="http://schemas.microsoft.com/office/drawing/2010/main" xmlns="" w="9525">
                     <a:solidFill>
                       <a:srgbClr val="000000"/>
                     </a:solidFill>
@@ -10870,7 +10870,7 @@
               </a:ln>
               <a:extLst>
                 <a:ext uri="{91240B29-F687-4f45-9708-019B960494DF}">
-                  <a14:hiddenLine xmlns="" xmlns:a14="http://schemas.microsoft.com/office/drawing/2010/main" w="9525">
+                  <a14:hiddenLine xmlns:a14="http://schemas.microsoft.com/office/drawing/2010/main" xmlns="" w="9525">
                     <a:solidFill>
                       <a:srgbClr val="000000"/>
                     </a:solidFill>
@@ -10935,7 +10935,7 @@
               </a:ln>
               <a:extLst>
                 <a:ext uri="{91240B29-F687-4f45-9708-019B960494DF}">
-                  <a14:hiddenLine xmlns="" xmlns:a14="http://schemas.microsoft.com/office/drawing/2010/main" w="9525">
+                  <a14:hiddenLine xmlns:a14="http://schemas.microsoft.com/office/drawing/2010/main" xmlns="" w="9525">
                     <a:solidFill>
                       <a:srgbClr val="000000"/>
                     </a:solidFill>
@@ -10997,7 +10997,7 @@
               </a:ln>
               <a:extLst>
                 <a:ext uri="{91240B29-F687-4f45-9708-019B960494DF}">
-                  <a14:hiddenLine xmlns="" xmlns:a14="http://schemas.microsoft.com/office/drawing/2010/main" w="9525">
+                  <a14:hiddenLine xmlns:a14="http://schemas.microsoft.com/office/drawing/2010/main" xmlns="" w="9525">
                     <a:solidFill>
                       <a:srgbClr val="000000"/>
                     </a:solidFill>
@@ -11087,7 +11087,7 @@
               </a:ln>
               <a:extLst>
                 <a:ext uri="{91240B29-F687-4f45-9708-019B960494DF}">
-                  <a14:hiddenLine xmlns="" xmlns:a14="http://schemas.microsoft.com/office/drawing/2010/main" w="9525">
+                  <a14:hiddenLine xmlns:a14="http://schemas.microsoft.com/office/drawing/2010/main" xmlns="" w="9525">
                     <a:solidFill>
                       <a:srgbClr val="000000"/>
                     </a:solidFill>
@@ -11177,7 +11177,7 @@
               </a:ln>
               <a:extLst>
                 <a:ext uri="{91240B29-F687-4f45-9708-019B960494DF}">
-                  <a14:hiddenLine xmlns="" xmlns:a14="http://schemas.microsoft.com/office/drawing/2010/main" w="9525">
+                  <a14:hiddenLine xmlns:a14="http://schemas.microsoft.com/office/drawing/2010/main" xmlns="" w="9525">
                     <a:solidFill>
                       <a:srgbClr val="000000"/>
                     </a:solidFill>
@@ -11242,7 +11242,7 @@
               </a:ln>
               <a:extLst>
                 <a:ext uri="{91240B29-F687-4f45-9708-019B960494DF}">
-                  <a14:hiddenLine xmlns="" xmlns:a14="http://schemas.microsoft.com/office/drawing/2010/main" w="9525">
+                  <a14:hiddenLine xmlns:a14="http://schemas.microsoft.com/office/drawing/2010/main" xmlns="" w="9525">
                     <a:solidFill>
                       <a:srgbClr val="000000"/>
                     </a:solidFill>
@@ -11362,7 +11362,7 @@
               </a:ln>
               <a:extLst>
                 <a:ext uri="{91240B29-F687-4f45-9708-019B960494DF}">
-                  <a14:hiddenLine xmlns="" xmlns:a14="http://schemas.microsoft.com/office/drawing/2010/main" w="9525">
+                  <a14:hiddenLine xmlns:a14="http://schemas.microsoft.com/office/drawing/2010/main" xmlns="" w="9525">
                     <a:solidFill>
                       <a:srgbClr val="000000"/>
                     </a:solidFill>
@@ -11460,7 +11460,7 @@
               </a:ln>
               <a:extLst>
                 <a:ext uri="{91240B29-F687-4f45-9708-019B960494DF}">
-                  <a14:hiddenLine xmlns="" xmlns:a14="http://schemas.microsoft.com/office/drawing/2010/main" w="9525">
+                  <a14:hiddenLine xmlns:a14="http://schemas.microsoft.com/office/drawing/2010/main" xmlns="" w="9525">
                     <a:solidFill>
                       <a:srgbClr val="000000"/>
                     </a:solidFill>
@@ -11575,7 +11575,7 @@
               </a:ln>
               <a:extLst>
                 <a:ext uri="{91240B29-F687-4f45-9708-019B960494DF}">
-                  <a14:hiddenLine xmlns="" xmlns:a14="http://schemas.microsoft.com/office/drawing/2010/main" w="9525">
+                  <a14:hiddenLine xmlns:a14="http://schemas.microsoft.com/office/drawing/2010/main" xmlns="" w="9525">
                     <a:solidFill>
                       <a:srgbClr val="000000"/>
                     </a:solidFill>
@@ -11665,7 +11665,7 @@
               </a:ln>
               <a:extLst>
                 <a:ext uri="{91240B29-F687-4f45-9708-019B960494DF}">
-                  <a14:hiddenLine xmlns="" xmlns:a14="http://schemas.microsoft.com/office/drawing/2010/main" w="9525">
+                  <a14:hiddenLine xmlns:a14="http://schemas.microsoft.com/office/drawing/2010/main" xmlns="" w="9525">
                     <a:solidFill>
                       <a:srgbClr val="000000"/>
                     </a:solidFill>
@@ -11730,7 +11730,7 @@
               </a:ln>
               <a:extLst>
                 <a:ext uri="{91240B29-F687-4f45-9708-019B960494DF}">
-                  <a14:hiddenLine xmlns="" xmlns:a14="http://schemas.microsoft.com/office/drawing/2010/main" w="9525">
+                  <a14:hiddenLine xmlns:a14="http://schemas.microsoft.com/office/drawing/2010/main" xmlns="" w="9525">
                     <a:solidFill>
                       <a:srgbClr val="000000"/>
                     </a:solidFill>
@@ -11820,7 +11820,7 @@
               </a:ln>
               <a:extLst>
                 <a:ext uri="{91240B29-F687-4f45-9708-019B960494DF}">
-                  <a14:hiddenLine xmlns="" xmlns:a14="http://schemas.microsoft.com/office/drawing/2010/main" w="9525">
+                  <a14:hiddenLine xmlns:a14="http://schemas.microsoft.com/office/drawing/2010/main" xmlns="" w="9525">
                     <a:solidFill>
                       <a:srgbClr val="000000"/>
                     </a:solidFill>
@@ -11888,7 +11888,7 @@
               </a:ln>
               <a:extLst>
                 <a:ext uri="{91240B29-F687-4f45-9708-019B960494DF}">
-                  <a14:hiddenLine xmlns="" xmlns:a14="http://schemas.microsoft.com/office/drawing/2010/main" w="9525">
+                  <a14:hiddenLine xmlns:a14="http://schemas.microsoft.com/office/drawing/2010/main" xmlns="" w="9525">
                     <a:solidFill>
                       <a:srgbClr val="000000"/>
                     </a:solidFill>
@@ -11978,7 +11978,7 @@
               </a:ln>
               <a:extLst>
                 <a:ext uri="{91240B29-F687-4f45-9708-019B960494DF}">
-                  <a14:hiddenLine xmlns="" xmlns:a14="http://schemas.microsoft.com/office/drawing/2010/main" w="9525">
+                  <a14:hiddenLine xmlns:a14="http://schemas.microsoft.com/office/drawing/2010/main" xmlns="" w="9525">
                     <a:solidFill>
                       <a:srgbClr val="000000"/>
                     </a:solidFill>
@@ -12046,7 +12046,7 @@
               </a:ln>
               <a:extLst>
                 <a:ext uri="{91240B29-F687-4f45-9708-019B960494DF}">
-                  <a14:hiddenLine xmlns="" xmlns:a14="http://schemas.microsoft.com/office/drawing/2010/main" w="9525">
+                  <a14:hiddenLine xmlns:a14="http://schemas.microsoft.com/office/drawing/2010/main" xmlns="" w="9525">
                     <a:solidFill>
                       <a:srgbClr val="000000"/>
                     </a:solidFill>
@@ -12136,7 +12136,7 @@
               </a:ln>
               <a:extLst>
                 <a:ext uri="{91240B29-F687-4f45-9708-019B960494DF}">
-                  <a14:hiddenLine xmlns="" xmlns:a14="http://schemas.microsoft.com/office/drawing/2010/main" w="9525">
+                  <a14:hiddenLine xmlns:a14="http://schemas.microsoft.com/office/drawing/2010/main" xmlns="" w="9525">
                     <a:solidFill>
                       <a:srgbClr val="000000"/>
                     </a:solidFill>
@@ -12170,7 +12170,7 @@
               </a:ln>
               <a:extLst>
                 <a:ext uri="{91240B29-F687-4f45-9708-019B960494DF}">
-                  <a14:hiddenLine xmlns="" xmlns:a14="http://schemas.microsoft.com/office/drawing/2010/main" w="9525">
+                  <a14:hiddenLine xmlns:a14="http://schemas.microsoft.com/office/drawing/2010/main" xmlns="" w="9525">
                     <a:solidFill>
                       <a:srgbClr val="000000"/>
                     </a:solidFill>
@@ -12343,7 +12343,7 @@
             <a:fld id="{B61BEF0D-F0BB-DE4B-95CE-6DB70DBA9567}" type="datetimeFigureOut">
               <a:rPr lang="en-US" smtClean="0"/>
               <a:pPr/>
-              <a:t>7/28/2014</a:t>
+              <a:t>7/31/2014</a:t>
             </a:fld>
             <a:endParaRPr lang="en-US" dirty="0"/>
           </a:p>
@@ -12431,29 +12431,29 @@
     </p:spTree>
     <p:extLst>
       <p:ext uri="{BB962C8B-B14F-4D97-AF65-F5344CB8AC3E}">
-        <p14:creationId xmlns:p14="http://schemas.microsoft.com/office/powerpoint/2010/main" val="523951046"/>
+        <p14:creationId xmlns:p14="http://schemas.microsoft.com/office/powerpoint/2010/main" val="2030539870"/>
       </p:ext>
     </p:extLst>
   </p:cSld>
   <p:clrMap bg1="dk1" tx1="lt1" bg2="dk2" tx2="lt2" accent1="accent1" accent2="accent2" accent3="accent3" accent4="accent4" accent5="accent5" accent6="accent6" hlink="hlink" folHlink="folHlink"/>
   <p:sldLayoutIdLst>
-    <p:sldLayoutId id="2147483777" r:id="rId1"/>
-    <p:sldLayoutId id="2147483778" r:id="rId2"/>
-    <p:sldLayoutId id="2147483779" r:id="rId3"/>
-    <p:sldLayoutId id="2147483780" r:id="rId4"/>
-    <p:sldLayoutId id="2147483781" r:id="rId5"/>
-    <p:sldLayoutId id="2147483782" r:id="rId6"/>
-    <p:sldLayoutId id="2147483783" r:id="rId7"/>
-    <p:sldLayoutId id="2147483784" r:id="rId8"/>
-    <p:sldLayoutId id="2147483785" r:id="rId9"/>
-    <p:sldLayoutId id="2147483786" r:id="rId10"/>
-    <p:sldLayoutId id="2147483787" r:id="rId11"/>
-    <p:sldLayoutId id="2147483788" r:id="rId12"/>
-    <p:sldLayoutId id="2147483789" r:id="rId13"/>
-    <p:sldLayoutId id="2147483790" r:id="rId14"/>
-    <p:sldLayoutId id="2147483791" r:id="rId15"/>
-    <p:sldLayoutId id="2147483792" r:id="rId16"/>
-    <p:sldLayoutId id="2147483793" r:id="rId17"/>
+    <p:sldLayoutId id="2147483939" r:id="rId1"/>
+    <p:sldLayoutId id="2147483940" r:id="rId2"/>
+    <p:sldLayoutId id="2147483941" r:id="rId3"/>
+    <p:sldLayoutId id="2147483942" r:id="rId4"/>
+    <p:sldLayoutId id="2147483943" r:id="rId5"/>
+    <p:sldLayoutId id="2147483944" r:id="rId6"/>
+    <p:sldLayoutId id="2147483945" r:id="rId7"/>
+    <p:sldLayoutId id="2147483946" r:id="rId8"/>
+    <p:sldLayoutId id="2147483947" r:id="rId9"/>
+    <p:sldLayoutId id="2147483948" r:id="rId10"/>
+    <p:sldLayoutId id="2147483949" r:id="rId11"/>
+    <p:sldLayoutId id="2147483950" r:id="rId12"/>
+    <p:sldLayoutId id="2147483951" r:id="rId13"/>
+    <p:sldLayoutId id="2147483952" r:id="rId14"/>
+    <p:sldLayoutId id="2147483953" r:id="rId15"/>
+    <p:sldLayoutId id="2147483954" r:id="rId16"/>
+    <p:sldLayoutId id="2147483955" r:id="rId17"/>
   </p:sldLayoutIdLst>
   <p:txStyles>
     <p:titleStyle>
@@ -12913,6 +12913,66 @@
           </a:p>
         </p:txBody>
       </p:sp>
+      <p:pic>
+        <p:nvPicPr>
+          <p:cNvPr id="2" name="図 1"/>
+          <p:cNvPicPr>
+            <a:picLocks noChangeAspect="1"/>
+          </p:cNvPicPr>
+          <p:nvPr/>
+        </p:nvPicPr>
+        <p:blipFill>
+          <a:blip r:embed="rId3">
+            <a:extLst>
+              <a:ext uri="{28A0092B-C50C-407E-A947-70E740481C1C}">
+                <a14:useLocalDpi xmlns:a14="http://schemas.microsoft.com/office/drawing/2010/main" val="0"/>
+              </a:ext>
+            </a:extLst>
+          </a:blip>
+          <a:stretch>
+            <a:fillRect/>
+          </a:stretch>
+        </p:blipFill>
+        <p:spPr>
+          <a:xfrm>
+            <a:off x="-1742301" y="3649607"/>
+            <a:ext cx="4775640" cy="4775640"/>
+          </a:xfrm>
+          <a:prstGeom prst="rect">
+            <a:avLst/>
+          </a:prstGeom>
+        </p:spPr>
+      </p:pic>
+      <p:pic>
+        <p:nvPicPr>
+          <p:cNvPr id="4" name="図 3"/>
+          <p:cNvPicPr>
+            <a:picLocks noChangeAspect="1"/>
+          </p:cNvPicPr>
+          <p:nvPr/>
+        </p:nvPicPr>
+        <p:blipFill>
+          <a:blip r:embed="rId4">
+            <a:extLst>
+              <a:ext uri="{28A0092B-C50C-407E-A947-70E740481C1C}">
+                <a14:useLocalDpi xmlns:a14="http://schemas.microsoft.com/office/drawing/2010/main" val="0"/>
+              </a:ext>
+            </a:extLst>
+          </a:blip>
+          <a:stretch>
+            <a:fillRect/>
+          </a:stretch>
+        </p:blipFill>
+        <p:spPr>
+          <a:xfrm>
+            <a:off x="8763209" y="-1998791"/>
+            <a:ext cx="5554116" cy="5554116"/>
+          </a:xfrm>
+          <a:prstGeom prst="rect">
+            <a:avLst/>
+          </a:prstGeom>
+        </p:spPr>
+      </p:pic>
     </p:spTree>
     <p:extLst>
       <p:ext uri="{BB962C8B-B14F-4D97-AF65-F5344CB8AC3E}">
@@ -12962,21 +13022,19 @@
         </p:nvSpPr>
         <p:spPr>
           <a:xfrm>
-            <a:off x="629576" y="1780333"/>
-            <a:ext cx="8482377" cy="3416300"/>
+            <a:off x="851998" y="1475532"/>
+            <a:ext cx="10545827" cy="4982417"/>
           </a:xfrm>
         </p:spPr>
         <p:txBody>
-          <a:bodyPr/>
+          <a:bodyPr>
+            <a:normAutofit/>
+          </a:bodyPr>
           <a:lstStyle/>
           <a:p>
             <a:pPr marL="0" indent="0">
               <a:buNone/>
             </a:pPr>
-            <a:r>
-              <a:rPr kumimoji="1" lang="ja-JP" altLang="en-US" sz="3200" dirty="0" smtClean="0"/>
-              <a:t>迫りくる敵の攻撃や罠を</a:t>
-            </a:r>
             <a:endParaRPr kumimoji="1" lang="en-US" altLang="ja-JP" sz="3200" dirty="0" smtClean="0"/>
           </a:p>
           <a:p>
@@ -12984,10 +13042,42 @@
               <a:buNone/>
             </a:pPr>
             <a:r>
-              <a:rPr kumimoji="1" lang="ja-JP" altLang="en-US" sz="3200" dirty="0" smtClean="0"/>
-              <a:t>華麗に避け、逃げるボスを倒せ！</a:t>
-            </a:r>
-            <a:endParaRPr kumimoji="1" lang="en-US" altLang="ja-JP" sz="3200" dirty="0" smtClean="0"/>
+              <a:rPr kumimoji="1" lang="ja-JP" altLang="en-US" sz="3200" b="1" dirty="0" smtClean="0">
+                <a:solidFill>
+                  <a:schemeClr val="bg1"/>
+                </a:solidFill>
+              </a:rPr>
+              <a:t>迫り</a:t>
+            </a:r>
+            <a:r>
+              <a:rPr kumimoji="1" lang="ja-JP" altLang="en-US" sz="3200" b="1" dirty="0" smtClean="0">
+                <a:solidFill>
+                  <a:schemeClr val="bg1"/>
+                </a:solidFill>
+              </a:rPr>
+              <a:t>くる敵の攻撃、罠</a:t>
+            </a:r>
+            <a:r>
+              <a:rPr kumimoji="1" lang="ja-JP" altLang="en-US" sz="3200" b="1" dirty="0" smtClean="0">
+                <a:solidFill>
+                  <a:schemeClr val="bg1"/>
+                </a:solidFill>
+              </a:rPr>
+              <a:t>を華麗</a:t>
+            </a:r>
+            <a:r>
+              <a:rPr kumimoji="1" lang="ja-JP" altLang="en-US" sz="3200" b="1" dirty="0" smtClean="0">
+                <a:solidFill>
+                  <a:schemeClr val="bg1"/>
+                </a:solidFill>
+              </a:rPr>
+              <a:t>に避け、逃げるボスを倒せ！</a:t>
+            </a:r>
+            <a:endParaRPr kumimoji="1" lang="en-US" altLang="ja-JP" sz="3200" b="1" dirty="0" smtClean="0">
+              <a:solidFill>
+                <a:schemeClr val="bg1"/>
+              </a:solidFill>
+            </a:endParaRPr>
           </a:p>
           <a:p>
             <a:pPr marL="0" indent="0">
@@ -13018,13 +13108,45 @@
           </a:stretch>
         </p:blipFill>
         <p:spPr>
-          <a:xfrm>
-            <a:off x="5181602" y="3271381"/>
-            <a:ext cx="5943859" cy="3343421"/>
+          <a:xfrm rot="929831">
+            <a:off x="1145024" y="3511416"/>
+            <a:ext cx="5143567" cy="2893257"/>
           </a:xfrm>
           <a:prstGeom prst="rect">
             <a:avLst/>
           </a:prstGeom>
+          <a:solidFill>
+            <a:srgbClr val="FFFFFF">
+              <a:shade val="85000"/>
+            </a:srgbClr>
+          </a:solidFill>
+          <a:ln w="190500" cap="sq">
+            <a:solidFill>
+              <a:srgbClr val="FFFFFF"/>
+            </a:solidFill>
+            <a:miter lim="800000"/>
+          </a:ln>
+          <a:effectLst>
+            <a:outerShdw blurRad="65000" dist="50800" dir="12900000" kx="195000" ky="145000" algn="tl" rotWithShape="0">
+              <a:srgbClr val="000000">
+                <a:alpha val="30000"/>
+              </a:srgbClr>
+            </a:outerShdw>
+          </a:effectLst>
+          <a:scene3d>
+            <a:camera prst="orthographicFront">
+              <a:rot lat="0" lon="0" rev="360000"/>
+            </a:camera>
+            <a:lightRig rig="twoPt" dir="t">
+              <a:rot lat="0" lon="0" rev="7200000"/>
+            </a:lightRig>
+          </a:scene3d>
+          <a:sp3d contourW="12700">
+            <a:bevelT w="25400" h="19050"/>
+            <a:contourClr>
+              <a:srgbClr val="969696"/>
+            </a:contourClr>
+          </a:sp3d>
         </p:spPr>
       </p:pic>
       <p:sp>
@@ -13061,7 +13183,7 @@
               <a:rPr lang="ja-JP" altLang="en-US" sz="6000" b="1" dirty="0">
                 <a:ln w="0"/>
                 <a:solidFill>
-                  <a:schemeClr val="bg2"/>
+                  <a:srgbClr val="C00000"/>
                 </a:solidFill>
                 <a:effectLst>
                   <a:reflection blurRad="6350" stA="53000" endA="300" endPos="35500" dir="5400000" sy="-90000" algn="bl" rotWithShape="0"/>
@@ -13072,7 +13194,7 @@
             <a:endParaRPr lang="ja-JP" altLang="en-US" sz="6000" b="1" cap="none" spc="0" dirty="0">
               <a:ln w="0"/>
               <a:solidFill>
-                <a:schemeClr val="bg2"/>
+                <a:srgbClr val="C00000"/>
               </a:solidFill>
               <a:effectLst>
                 <a:reflection blurRad="6350" stA="53000" endA="300" endPos="35500" dir="5400000" sy="-90000" algn="bl" rotWithShape="0"/>
@@ -13081,6 +13203,68 @@
           </a:p>
         </p:txBody>
       </p:sp>
+      <p:pic>
+        <p:nvPicPr>
+          <p:cNvPr id="5" name="図 4"/>
+          <p:cNvPicPr>
+            <a:picLocks noChangeAspect="1"/>
+          </p:cNvPicPr>
+          <p:nvPr/>
+        </p:nvPicPr>
+        <p:blipFill>
+          <a:blip r:embed="rId3">
+            <a:extLst>
+              <a:ext uri="{28A0092B-C50C-407E-A947-70E740481C1C}">
+                <a14:useLocalDpi xmlns:a14="http://schemas.microsoft.com/office/drawing/2010/main" val="0"/>
+              </a:ext>
+            </a:extLst>
+          </a:blip>
+          <a:stretch>
+            <a:fillRect/>
+          </a:stretch>
+        </p:blipFill>
+        <p:spPr>
+          <a:xfrm>
+            <a:off x="6869105" y="3295135"/>
+            <a:ext cx="3839784" cy="2351868"/>
+          </a:xfrm>
+          <a:prstGeom prst="rect">
+            <a:avLst/>
+          </a:prstGeom>
+          <a:solidFill>
+            <a:srgbClr val="FFFFFF">
+              <a:shade val="85000"/>
+            </a:srgbClr>
+          </a:solidFill>
+          <a:ln w="190500" cap="sq">
+            <a:solidFill>
+              <a:srgbClr val="FFFFFF"/>
+            </a:solidFill>
+            <a:miter lim="800000"/>
+          </a:ln>
+          <a:effectLst>
+            <a:outerShdw blurRad="65000" dist="50800" dir="12900000" kx="195000" ky="145000" algn="tl" rotWithShape="0">
+              <a:srgbClr val="000000">
+                <a:alpha val="30000"/>
+              </a:srgbClr>
+            </a:outerShdw>
+          </a:effectLst>
+          <a:scene3d>
+            <a:camera prst="orthographicFront">
+              <a:rot lat="0" lon="0" rev="360000"/>
+            </a:camera>
+            <a:lightRig rig="twoPt" dir="t">
+              <a:rot lat="0" lon="0" rev="7200000"/>
+            </a:lightRig>
+          </a:scene3d>
+          <a:sp3d contourW="12700">
+            <a:bevelT w="25400" h="19050"/>
+            <a:contourClr>
+              <a:srgbClr val="969696"/>
+            </a:contourClr>
+          </a:sp3d>
+        </p:spPr>
+      </p:pic>
     </p:spTree>
     <p:extLst>
       <p:ext uri="{BB962C8B-B14F-4D97-AF65-F5344CB8AC3E}">
@@ -13152,7 +13336,7 @@
               <a:rPr lang="ja-JP" altLang="en-US" sz="6000" b="1" dirty="0" smtClean="0">
                 <a:ln w="0"/>
                 <a:solidFill>
-                  <a:schemeClr val="bg2"/>
+                  <a:srgbClr val="C00000"/>
                 </a:solidFill>
                 <a:effectLst>
                   <a:reflection blurRad="6350" stA="53000" endA="300" endPos="35500" dir="5400000" sy="-90000" algn="bl" rotWithShape="0"/>
@@ -13163,7 +13347,7 @@
             <a:endParaRPr lang="ja-JP" altLang="en-US" sz="6000" b="1" cap="none" spc="0" dirty="0">
               <a:ln w="0"/>
               <a:solidFill>
-                <a:schemeClr val="bg2"/>
+                <a:srgbClr val="C00000"/>
               </a:solidFill>
               <a:effectLst>
                 <a:reflection blurRad="6350" stA="53000" endA="300" endPos="35500" dir="5400000" sy="-90000" algn="bl" rotWithShape="0"/>
@@ -13495,7 +13679,7 @@
               <a:rPr lang="ja-JP" altLang="en-US" sz="6000" b="1" dirty="0" smtClean="0">
                 <a:ln w="0"/>
                 <a:solidFill>
-                  <a:schemeClr val="bg2"/>
+                  <a:srgbClr val="C00000"/>
                 </a:solidFill>
                 <a:effectLst>
                   <a:reflection blurRad="6350" stA="53000" endA="300" endPos="35500" dir="5400000" sy="-90000" algn="bl" rotWithShape="0"/>
@@ -13506,7 +13690,7 @@
             <a:endParaRPr lang="ja-JP" altLang="en-US" sz="6000" b="1" cap="none" spc="0" dirty="0">
               <a:ln w="0"/>
               <a:solidFill>
-                <a:schemeClr val="bg2"/>
+                <a:srgbClr val="C00000"/>
               </a:solidFill>
               <a:effectLst>
                 <a:reflection blurRad="6350" stA="53000" endA="300" endPos="35500" dir="5400000" sy="-90000" algn="bl" rotWithShape="0"/>
@@ -13770,15 +13954,18 @@
         </p:nvCxnSpPr>
         <p:spPr>
           <a:xfrm>
-            <a:off x="3006811" y="5684108"/>
-            <a:ext cx="1194486" cy="642551"/>
+            <a:off x="2743200" y="5717059"/>
+            <a:ext cx="1458097" cy="609600"/>
           </a:xfrm>
           <a:prstGeom prst="bentConnector3">
             <a:avLst>
               <a:gd name="adj1" fmla="val 50000"/>
             </a:avLst>
           </a:prstGeom>
-          <a:ln>
+          <a:ln w="63500">
+            <a:solidFill>
+              <a:srgbClr val="EAED69"/>
+            </a:solidFill>
             <a:tailEnd type="triangle"/>
           </a:ln>
         </p:spPr>
@@ -13797,6 +13984,280 @@
           </a:fontRef>
         </p:style>
       </p:cxnSp>
+      <p:cxnSp>
+        <p:nvCxnSpPr>
+          <p:cNvPr id="6" name="カギ線コネクタ 5"/>
+          <p:cNvCxnSpPr/>
+          <p:nvPr/>
+        </p:nvCxnSpPr>
+        <p:spPr>
+          <a:xfrm>
+            <a:off x="2626425" y="4341341"/>
+            <a:ext cx="1394663" cy="792"/>
+          </a:xfrm>
+          <a:prstGeom prst="bentConnector3">
+            <a:avLst>
+              <a:gd name="adj1" fmla="val 50000"/>
+            </a:avLst>
+          </a:prstGeom>
+          <a:ln w="63500">
+            <a:solidFill>
+              <a:srgbClr val="EAED69"/>
+            </a:solidFill>
+            <a:tailEnd type="triangle"/>
+          </a:ln>
+        </p:spPr>
+        <p:style>
+          <a:lnRef idx="3">
+            <a:schemeClr val="accent3"/>
+          </a:lnRef>
+          <a:fillRef idx="0">
+            <a:schemeClr val="accent3"/>
+          </a:fillRef>
+          <a:effectRef idx="2">
+            <a:schemeClr val="accent3"/>
+          </a:effectRef>
+          <a:fontRef idx="minor">
+            <a:schemeClr val="tx1"/>
+          </a:fontRef>
+        </p:style>
+      </p:cxnSp>
+      <p:sp>
+        <p:nvSpPr>
+          <p:cNvPr id="8" name="テキスト ボックス 7"/>
+          <p:cNvSpPr txBox="1"/>
+          <p:nvPr/>
+        </p:nvSpPr>
+        <p:spPr>
+          <a:xfrm>
+            <a:off x="996778" y="4079731"/>
+            <a:ext cx="1629647" cy="523220"/>
+          </a:xfrm>
+          <a:prstGeom prst="rect">
+            <a:avLst/>
+          </a:prstGeom>
+          <a:noFill/>
+        </p:spPr>
+        <p:txBody>
+          <a:bodyPr wrap="square" rtlCol="0">
+            <a:spAutoFit/>
+          </a:bodyPr>
+          <a:lstStyle/>
+          <a:p>
+            <a:r>
+              <a:rPr kumimoji="1" lang="ja-JP" altLang="en-US" sz="2800" b="1" dirty="0" smtClean="0">
+                <a:solidFill>
+                  <a:schemeClr val="bg1"/>
+                </a:solidFill>
+              </a:rPr>
+              <a:t>敵の攻撃</a:t>
+            </a:r>
+            <a:endParaRPr kumimoji="1" lang="ja-JP" altLang="en-US" sz="2800" b="1" dirty="0">
+              <a:solidFill>
+                <a:schemeClr val="bg1"/>
+              </a:solidFill>
+            </a:endParaRPr>
+          </a:p>
+        </p:txBody>
+      </p:sp>
+      <p:cxnSp>
+        <p:nvCxnSpPr>
+          <p:cNvPr id="9" name="カギ線コネクタ 8"/>
+          <p:cNvCxnSpPr/>
+          <p:nvPr/>
+        </p:nvCxnSpPr>
+        <p:spPr>
+          <a:xfrm flipV="1">
+            <a:off x="2626425" y="3064476"/>
+            <a:ext cx="5067716" cy="1276919"/>
+          </a:xfrm>
+          <a:prstGeom prst="bentConnector3">
+            <a:avLst>
+              <a:gd name="adj1" fmla="val 12125"/>
+            </a:avLst>
+          </a:prstGeom>
+          <a:ln w="63500">
+            <a:solidFill>
+              <a:srgbClr val="EAED69"/>
+            </a:solidFill>
+            <a:tailEnd type="triangle"/>
+          </a:ln>
+        </p:spPr>
+        <p:style>
+          <a:lnRef idx="3">
+            <a:schemeClr val="accent3"/>
+          </a:lnRef>
+          <a:fillRef idx="0">
+            <a:schemeClr val="accent3"/>
+          </a:fillRef>
+          <a:effectRef idx="2">
+            <a:schemeClr val="accent3"/>
+          </a:effectRef>
+          <a:fontRef idx="minor">
+            <a:schemeClr val="tx1"/>
+          </a:fontRef>
+        </p:style>
+      </p:cxnSp>
+      <p:sp>
+        <p:nvSpPr>
+          <p:cNvPr id="14" name="テキスト ボックス 13"/>
+          <p:cNvSpPr txBox="1"/>
+          <p:nvPr/>
+        </p:nvSpPr>
+        <p:spPr>
+          <a:xfrm>
+            <a:off x="1911165" y="5498639"/>
+            <a:ext cx="715260" cy="523220"/>
+          </a:xfrm>
+          <a:prstGeom prst="rect">
+            <a:avLst/>
+          </a:prstGeom>
+          <a:noFill/>
+        </p:spPr>
+        <p:txBody>
+          <a:bodyPr wrap="none" rtlCol="0">
+            <a:spAutoFit/>
+          </a:bodyPr>
+          <a:lstStyle/>
+          <a:p>
+            <a:r>
+              <a:rPr kumimoji="1" lang="ja-JP" altLang="en-US" sz="2800" b="1" dirty="0" smtClean="0">
+                <a:solidFill>
+                  <a:schemeClr val="bg1"/>
+                </a:solidFill>
+              </a:rPr>
+              <a:t>ＨＰ</a:t>
+            </a:r>
+            <a:endParaRPr kumimoji="1" lang="ja-JP" altLang="en-US" sz="2800" b="1" dirty="0">
+              <a:solidFill>
+                <a:schemeClr val="bg1"/>
+              </a:solidFill>
+            </a:endParaRPr>
+          </a:p>
+        </p:txBody>
+      </p:sp>
+      <p:sp>
+        <p:nvSpPr>
+          <p:cNvPr id="16" name="正方形/長方形 15"/>
+          <p:cNvSpPr/>
+          <p:nvPr/>
+        </p:nvSpPr>
+        <p:spPr>
+          <a:xfrm>
+            <a:off x="10636372" y="1798938"/>
+            <a:ext cx="1143614" cy="3236383"/>
+          </a:xfrm>
+          <a:prstGeom prst="rect">
+            <a:avLst/>
+          </a:prstGeom>
+          <a:noFill/>
+          <a:ln w="63500">
+            <a:solidFill>
+              <a:srgbClr val="EAED69"/>
+            </a:solidFill>
+          </a:ln>
+        </p:spPr>
+        <p:style>
+          <a:lnRef idx="2">
+            <a:schemeClr val="accent2">
+              <a:shade val="50000"/>
+            </a:schemeClr>
+          </a:lnRef>
+          <a:fillRef idx="1">
+            <a:schemeClr val="accent2"/>
+          </a:fillRef>
+          <a:effectRef idx="0">
+            <a:schemeClr val="accent2"/>
+          </a:effectRef>
+          <a:fontRef idx="minor">
+            <a:schemeClr val="lt1"/>
+          </a:fontRef>
+        </p:style>
+        <p:txBody>
+          <a:bodyPr rtlCol="0" anchor="ctr"/>
+          <a:lstStyle/>
+          <a:p>
+            <a:pPr algn="ctr"/>
+            <a:endParaRPr kumimoji="1" lang="ja-JP" altLang="en-US"/>
+          </a:p>
+        </p:txBody>
+      </p:sp>
+      <p:cxnSp>
+        <p:nvCxnSpPr>
+          <p:cNvPr id="11" name="カギ線コネクタ 10"/>
+          <p:cNvCxnSpPr/>
+          <p:nvPr/>
+        </p:nvCxnSpPr>
+        <p:spPr>
+          <a:xfrm>
+            <a:off x="9750082" y="1148765"/>
+            <a:ext cx="1458097" cy="609600"/>
+          </a:xfrm>
+          <a:prstGeom prst="bentConnector3">
+            <a:avLst>
+              <a:gd name="adj1" fmla="val 100300"/>
+            </a:avLst>
+          </a:prstGeom>
+          <a:ln w="63500">
+            <a:solidFill>
+              <a:srgbClr val="EAED69"/>
+            </a:solidFill>
+            <a:tailEnd type="triangle"/>
+          </a:ln>
+        </p:spPr>
+        <p:style>
+          <a:lnRef idx="3">
+            <a:schemeClr val="accent3"/>
+          </a:lnRef>
+          <a:fillRef idx="0">
+            <a:schemeClr val="accent3"/>
+          </a:fillRef>
+          <a:effectRef idx="2">
+            <a:schemeClr val="accent3"/>
+          </a:effectRef>
+          <a:fontRef idx="minor">
+            <a:schemeClr val="tx1"/>
+          </a:fontRef>
+        </p:style>
+      </p:cxnSp>
+      <p:sp>
+        <p:nvSpPr>
+          <p:cNvPr id="12" name="テキスト ボックス 11"/>
+          <p:cNvSpPr txBox="1"/>
+          <p:nvPr/>
+        </p:nvSpPr>
+        <p:spPr>
+          <a:xfrm>
+            <a:off x="8537891" y="887155"/>
+            <a:ext cx="1212191" cy="523220"/>
+          </a:xfrm>
+          <a:prstGeom prst="rect">
+            <a:avLst/>
+          </a:prstGeom>
+          <a:noFill/>
+        </p:spPr>
+        <p:txBody>
+          <a:bodyPr wrap="none" rtlCol="0">
+            <a:spAutoFit/>
+          </a:bodyPr>
+          <a:lstStyle/>
+          <a:p>
+            <a:r>
+              <a:rPr kumimoji="1" lang="ja-JP" altLang="en-US" sz="2800" b="1" dirty="0" smtClean="0">
+                <a:solidFill>
+                  <a:schemeClr val="bg1"/>
+                </a:solidFill>
+              </a:rPr>
+              <a:t>スキル</a:t>
+            </a:r>
+            <a:endParaRPr kumimoji="1" lang="ja-JP" altLang="en-US" sz="2800" b="1" dirty="0">
+              <a:solidFill>
+                <a:schemeClr val="bg1"/>
+              </a:solidFill>
+            </a:endParaRPr>
+          </a:p>
+        </p:txBody>
+      </p:sp>
     </p:spTree>
     <p:extLst>
       <p:ext uri="{BB962C8B-B14F-4D97-AF65-F5344CB8AC3E}">
@@ -13868,7 +14329,7 @@
               <a:rPr lang="ja-JP" altLang="en-US" sz="6000" b="1" dirty="0">
                 <a:ln w="0"/>
                 <a:solidFill>
-                  <a:schemeClr val="bg2"/>
+                  <a:srgbClr val="C00000"/>
                 </a:solidFill>
                 <a:effectLst>
                   <a:reflection blurRad="6350" stA="53000" endA="300" endPos="35500" dir="5400000" sy="-90000" algn="bl" rotWithShape="0"/>
@@ -13879,7 +14340,7 @@
             <a:endParaRPr lang="ja-JP" altLang="en-US" sz="6000" b="1" cap="none" spc="0" dirty="0">
               <a:ln w="0"/>
               <a:solidFill>
-                <a:schemeClr val="bg2"/>
+                <a:srgbClr val="C00000"/>
               </a:solidFill>
               <a:effectLst>
                 <a:reflection blurRad="6350" stA="53000" endA="300" endPos="35500" dir="5400000" sy="-90000" algn="bl" rotWithShape="0"/>
@@ -13898,8 +14359,8 @@
         </p:nvSpPr>
         <p:spPr>
           <a:xfrm>
-            <a:off x="1141412" y="2249487"/>
-            <a:ext cx="9905999" cy="3541714"/>
+            <a:off x="1141412" y="1581665"/>
+            <a:ext cx="9905999" cy="4209536"/>
           </a:xfrm>
           <a:prstGeom prst="rect">
             <a:avLst/>
@@ -14087,10 +14548,151 @@
               <a:buNone/>
             </a:pPr>
             <a:r>
-              <a:rPr lang="ja-JP" altLang="en-US" dirty="0" smtClean="0"/>
-              <a:t>スキル</a:t>
-            </a:r>
-            <a:endParaRPr lang="en-US" altLang="ja-JP" dirty="0" smtClean="0"/>
+              <a:rPr lang="ja-JP" altLang="en-US" sz="3200" b="1" dirty="0" smtClean="0">
+                <a:solidFill>
+                  <a:schemeClr val="bg1"/>
+                </a:solidFill>
+              </a:rPr>
+              <a:t>・スキル</a:t>
+            </a:r>
+            <a:endParaRPr lang="en-US" altLang="ja-JP" sz="3200" b="1" dirty="0" smtClean="0">
+              <a:solidFill>
+                <a:schemeClr val="bg1"/>
+              </a:solidFill>
+            </a:endParaRPr>
+          </a:p>
+          <a:p>
+            <a:pPr marL="0" indent="0">
+              <a:buNone/>
+            </a:pPr>
+            <a:r>
+              <a:rPr lang="ja-JP" altLang="en-US" b="1" dirty="0" smtClean="0">
+                <a:solidFill>
+                  <a:schemeClr val="bg1"/>
+                </a:solidFill>
+              </a:rPr>
+              <a:t>種類はアクティブ、パッシブ系合わせて２０種以上</a:t>
+            </a:r>
+            <a:endParaRPr lang="en-US" altLang="ja-JP" b="1" dirty="0" smtClean="0">
+              <a:solidFill>
+                <a:schemeClr val="bg1"/>
+              </a:solidFill>
+            </a:endParaRPr>
+          </a:p>
+          <a:p>
+            <a:pPr marL="0" indent="0">
+              <a:buNone/>
+            </a:pPr>
+            <a:r>
+              <a:rPr lang="ja-JP" altLang="en-US" b="1" dirty="0" smtClean="0">
+                <a:solidFill>
+                  <a:schemeClr val="bg1"/>
+                </a:solidFill>
+              </a:rPr>
+              <a:t>エディット式で数種類のスキルを選ぶことできます</a:t>
+            </a:r>
+            <a:endParaRPr lang="en-US" altLang="ja-JP" b="1" dirty="0">
+              <a:solidFill>
+                <a:schemeClr val="bg1"/>
+              </a:solidFill>
+            </a:endParaRPr>
+          </a:p>
+          <a:p>
+            <a:pPr marL="0" indent="0">
+              <a:buNone/>
+            </a:pPr>
+            <a:endParaRPr lang="en-US" altLang="ja-JP" b="1" dirty="0" smtClean="0">
+              <a:solidFill>
+                <a:schemeClr val="bg1"/>
+              </a:solidFill>
+            </a:endParaRPr>
+          </a:p>
+          <a:p>
+            <a:pPr marL="0" indent="0">
+              <a:buNone/>
+            </a:pPr>
+            <a:r>
+              <a:rPr lang="ja-JP" altLang="en-US" b="1" dirty="0" smtClean="0">
+                <a:solidFill>
+                  <a:schemeClr val="bg1"/>
+                </a:solidFill>
+              </a:rPr>
+              <a:t>スキル例</a:t>
+            </a:r>
+            <a:endParaRPr lang="en-US" altLang="ja-JP" b="1" dirty="0" smtClean="0">
+              <a:solidFill>
+                <a:schemeClr val="bg1"/>
+              </a:solidFill>
+            </a:endParaRPr>
+          </a:p>
+          <a:p>
+            <a:pPr marL="0" indent="0">
+              <a:buNone/>
+            </a:pPr>
+            <a:r>
+              <a:rPr lang="ja-JP" altLang="en-US" b="1" dirty="0" smtClean="0">
+                <a:solidFill>
+                  <a:schemeClr val="bg1"/>
+                </a:solidFill>
+              </a:rPr>
+              <a:t>防御</a:t>
+            </a:r>
+            <a:r>
+              <a:rPr lang="en-US" altLang="ja-JP" b="1" dirty="0" smtClean="0">
+                <a:solidFill>
+                  <a:schemeClr val="bg1"/>
+                </a:solidFill>
+              </a:rPr>
+              <a:t>UP</a:t>
+            </a:r>
+            <a:r>
+              <a:rPr lang="ja-JP" altLang="en-US" b="1" dirty="0" err="1" smtClean="0">
+                <a:solidFill>
+                  <a:schemeClr val="bg1"/>
+                </a:solidFill>
+              </a:rPr>
+              <a:t>、</a:t>
+            </a:r>
+            <a:r>
+              <a:rPr lang="ja-JP" altLang="en-US" b="1" dirty="0" smtClean="0">
+                <a:solidFill>
+                  <a:schemeClr val="bg1"/>
+                </a:solidFill>
+              </a:rPr>
+              <a:t>攻撃</a:t>
+            </a:r>
+            <a:r>
+              <a:rPr lang="en-US" altLang="ja-JP" b="1" dirty="0" smtClean="0">
+                <a:solidFill>
+                  <a:schemeClr val="bg1"/>
+                </a:solidFill>
+              </a:rPr>
+              <a:t>UP</a:t>
+            </a:r>
+            <a:r>
+              <a:rPr lang="ja-JP" altLang="en-US" b="1" dirty="0" err="1" smtClean="0">
+                <a:solidFill>
+                  <a:schemeClr val="bg1"/>
+                </a:solidFill>
+              </a:rPr>
+              <a:t>、</a:t>
+            </a:r>
+            <a:r>
+              <a:rPr lang="ja-JP" altLang="en-US" b="1" dirty="0" smtClean="0">
+                <a:solidFill>
+                  <a:schemeClr val="bg1"/>
+                </a:solidFill>
+              </a:rPr>
+              <a:t>移動速度</a:t>
+            </a:r>
+            <a:r>
+              <a:rPr lang="en-US" altLang="ja-JP" b="1" dirty="0" smtClean="0">
+                <a:solidFill>
+                  <a:schemeClr val="bg1"/>
+                </a:solidFill>
+              </a:rPr>
+              <a:t>UP…</a:t>
+            </a:r>
           </a:p>
           <a:p>
             <a:pPr marL="0" indent="0">
@@ -14128,8 +14730,8 @@
         </p:blipFill>
         <p:spPr>
           <a:xfrm>
-            <a:off x="1219487" y="3005576"/>
-            <a:ext cx="1169486" cy="3378515"/>
+            <a:off x="8574143" y="1656597"/>
+            <a:ext cx="1458097" cy="4212280"/>
           </a:xfrm>
           <a:prstGeom prst="rect">
             <a:avLst/>

--- a/Docs/Survivor.pptx
+++ b/Docs/Survivor.pptx
@@ -10,6 +10,7 @@
     <p:sldId id="262" r:id="rId4"/>
     <p:sldId id="264" r:id="rId5"/>
     <p:sldId id="265" r:id="rId6"/>
+    <p:sldId id="266" r:id="rId7"/>
   </p:sldIdLst>
   <p:sldSz cx="12192000" cy="6858000"/>
   <p:notesSz cx="6858000" cy="9144000"/>
@@ -166,7 +167,7 @@
           <a:noFill/>
           <a:extLst>
             <a:ext uri="{909E8E84-426E-40dd-AFC4-6F175D3DCCD1}">
-              <a14:hiddenFill xmlns:a14="http://schemas.microsoft.com/office/drawing/2010/main" xmlns="">
+              <a14:hiddenFill xmlns="" xmlns:a14="http://schemas.microsoft.com/office/drawing/2010/main">
                 <a:solidFill>
                   <a:srgbClr val="FFFFFF"/>
                 </a:solidFill>
@@ -226,7 +227,7 @@
             </a:ln>
             <a:extLst>
               <a:ext uri="{91240B29-F687-4f45-9708-019B960494DF}">
-                <a14:hiddenLine xmlns:a14="http://schemas.microsoft.com/office/drawing/2010/main" xmlns="" w="9525">
+                <a14:hiddenLine xmlns="" xmlns:a14="http://schemas.microsoft.com/office/drawing/2010/main" w="9525">
                   <a:solidFill>
                     <a:srgbClr val="000000"/>
                   </a:solidFill>
@@ -316,7 +317,7 @@
             </a:ln>
             <a:extLst>
               <a:ext uri="{91240B29-F687-4f45-9708-019B960494DF}">
-                <a14:hiddenLine xmlns:a14="http://schemas.microsoft.com/office/drawing/2010/main" xmlns="" w="9525">
+                <a14:hiddenLine xmlns="" xmlns:a14="http://schemas.microsoft.com/office/drawing/2010/main" w="9525">
                   <a:solidFill>
                     <a:srgbClr val="000000"/>
                   </a:solidFill>
@@ -406,7 +407,7 @@
             </a:ln>
             <a:extLst>
               <a:ext uri="{91240B29-F687-4f45-9708-019B960494DF}">
-                <a14:hiddenLine xmlns:a14="http://schemas.microsoft.com/office/drawing/2010/main" xmlns="" w="9525">
+                <a14:hiddenLine xmlns="" xmlns:a14="http://schemas.microsoft.com/office/drawing/2010/main" w="9525">
                   <a:solidFill>
                     <a:srgbClr val="000000"/>
                   </a:solidFill>
@@ -440,7 +441,7 @@
             </a:ln>
             <a:extLst>
               <a:ext uri="{91240B29-F687-4f45-9708-019B960494DF}">
-                <a14:hiddenLine xmlns:a14="http://schemas.microsoft.com/office/drawing/2010/main" xmlns="" w="9525">
+                <a14:hiddenLine xmlns="" xmlns:a14="http://schemas.microsoft.com/office/drawing/2010/main" w="9525">
                   <a:solidFill>
                     <a:srgbClr val="000000"/>
                   </a:solidFill>
@@ -530,7 +531,7 @@
             </a:ln>
             <a:extLst>
               <a:ext uri="{91240B29-F687-4f45-9708-019B960494DF}">
-                <a14:hiddenLine xmlns:a14="http://schemas.microsoft.com/office/drawing/2010/main" xmlns="" w="9525">
+                <a14:hiddenLine xmlns="" xmlns:a14="http://schemas.microsoft.com/office/drawing/2010/main" w="9525">
                   <a:solidFill>
                     <a:srgbClr val="000000"/>
                   </a:solidFill>
@@ -592,7 +593,7 @@
             </a:ln>
             <a:extLst>
               <a:ext uri="{91240B29-F687-4f45-9708-019B960494DF}">
-                <a14:hiddenLine xmlns:a14="http://schemas.microsoft.com/office/drawing/2010/main" xmlns="" w="9525">
+                <a14:hiddenLine xmlns="" xmlns:a14="http://schemas.microsoft.com/office/drawing/2010/main" w="9525">
                   <a:solidFill>
                     <a:srgbClr val="000000"/>
                   </a:solidFill>
@@ -654,7 +655,7 @@
             </a:ln>
             <a:extLst>
               <a:ext uri="{91240B29-F687-4f45-9708-019B960494DF}">
-                <a14:hiddenLine xmlns:a14="http://schemas.microsoft.com/office/drawing/2010/main" xmlns="" w="9525">
+                <a14:hiddenLine xmlns="" xmlns:a14="http://schemas.microsoft.com/office/drawing/2010/main" w="9525">
                   <a:solidFill>
                     <a:srgbClr val="000000"/>
                   </a:solidFill>
@@ -744,7 +745,7 @@
             </a:ln>
             <a:extLst>
               <a:ext uri="{91240B29-F687-4f45-9708-019B960494DF}">
-                <a14:hiddenLine xmlns:a14="http://schemas.microsoft.com/office/drawing/2010/main" xmlns="" w="9525">
+                <a14:hiddenLine xmlns="" xmlns:a14="http://schemas.microsoft.com/office/drawing/2010/main" w="9525">
                   <a:solidFill>
                     <a:srgbClr val="000000"/>
                   </a:solidFill>
@@ -806,7 +807,7 @@
             </a:ln>
             <a:extLst>
               <a:ext uri="{91240B29-F687-4f45-9708-019B960494DF}">
-                <a14:hiddenLine xmlns:a14="http://schemas.microsoft.com/office/drawing/2010/main" xmlns="" w="9525">
+                <a14:hiddenLine xmlns="" xmlns:a14="http://schemas.microsoft.com/office/drawing/2010/main" w="9525">
                   <a:solidFill>
                     <a:srgbClr val="000000"/>
                   </a:solidFill>
@@ -868,7 +869,7 @@
             </a:ln>
             <a:extLst>
               <a:ext uri="{91240B29-F687-4f45-9708-019B960494DF}">
-                <a14:hiddenLine xmlns:a14="http://schemas.microsoft.com/office/drawing/2010/main" xmlns="" w="9525">
+                <a14:hiddenLine xmlns="" xmlns:a14="http://schemas.microsoft.com/office/drawing/2010/main" w="9525">
                   <a:solidFill>
                     <a:srgbClr val="000000"/>
                   </a:solidFill>
@@ -958,7 +959,7 @@
             </a:ln>
             <a:extLst>
               <a:ext uri="{91240B29-F687-4f45-9708-019B960494DF}">
-                <a14:hiddenLine xmlns:a14="http://schemas.microsoft.com/office/drawing/2010/main" xmlns="" w="9525">
+                <a14:hiddenLine xmlns="" xmlns:a14="http://schemas.microsoft.com/office/drawing/2010/main" w="9525">
                   <a:solidFill>
                     <a:srgbClr val="000000"/>
                   </a:solidFill>
@@ -1048,7 +1049,7 @@
             </a:ln>
             <a:extLst>
               <a:ext uri="{91240B29-F687-4f45-9708-019B960494DF}">
-                <a14:hiddenLine xmlns:a14="http://schemas.microsoft.com/office/drawing/2010/main" xmlns="" w="9525">
+                <a14:hiddenLine xmlns="" xmlns:a14="http://schemas.microsoft.com/office/drawing/2010/main" w="9525">
                   <a:solidFill>
                     <a:srgbClr val="000000"/>
                   </a:solidFill>
@@ -1110,7 +1111,7 @@
             </a:ln>
             <a:extLst>
               <a:ext uri="{91240B29-F687-4f45-9708-019B960494DF}">
-                <a14:hiddenLine xmlns:a14="http://schemas.microsoft.com/office/drawing/2010/main" xmlns="" w="9525">
+                <a14:hiddenLine xmlns="" xmlns:a14="http://schemas.microsoft.com/office/drawing/2010/main" w="9525">
                   <a:solidFill>
                     <a:srgbClr val="000000"/>
                   </a:solidFill>
@@ -1220,7 +1221,7 @@
             </a:ln>
             <a:extLst>
               <a:ext uri="{91240B29-F687-4f45-9708-019B960494DF}">
-                <a14:hiddenLine xmlns:a14="http://schemas.microsoft.com/office/drawing/2010/main" xmlns="" w="9525">
+                <a14:hiddenLine xmlns="" xmlns:a14="http://schemas.microsoft.com/office/drawing/2010/main" w="9525">
                   <a:solidFill>
                     <a:srgbClr val="000000"/>
                   </a:solidFill>
@@ -1282,7 +1283,7 @@
             </a:ln>
             <a:extLst>
               <a:ext uri="{91240B29-F687-4f45-9708-019B960494DF}">
-                <a14:hiddenLine xmlns:a14="http://schemas.microsoft.com/office/drawing/2010/main" xmlns="" w="9525">
+                <a14:hiddenLine xmlns="" xmlns:a14="http://schemas.microsoft.com/office/drawing/2010/main" w="9525">
                   <a:solidFill>
                     <a:srgbClr val="000000"/>
                   </a:solidFill>
@@ -1372,7 +1373,7 @@
             </a:ln>
             <a:extLst>
               <a:ext uri="{91240B29-F687-4f45-9708-019B960494DF}">
-                <a14:hiddenLine xmlns:a14="http://schemas.microsoft.com/office/drawing/2010/main" xmlns="" w="9525">
+                <a14:hiddenLine xmlns="" xmlns:a14="http://schemas.microsoft.com/office/drawing/2010/main" w="9525">
                   <a:solidFill>
                     <a:srgbClr val="000000"/>
                   </a:solidFill>
@@ -1462,7 +1463,7 @@
             </a:ln>
             <a:extLst>
               <a:ext uri="{91240B29-F687-4f45-9708-019B960494DF}">
-                <a14:hiddenLine xmlns:a14="http://schemas.microsoft.com/office/drawing/2010/main" xmlns="" w="9525">
+                <a14:hiddenLine xmlns="" xmlns:a14="http://schemas.microsoft.com/office/drawing/2010/main" w="9525">
                   <a:solidFill>
                     <a:srgbClr val="000000"/>
                   </a:solidFill>
@@ -1524,7 +1525,7 @@
             </a:ln>
             <a:extLst>
               <a:ext uri="{91240B29-F687-4f45-9708-019B960494DF}">
-                <a14:hiddenLine xmlns:a14="http://schemas.microsoft.com/office/drawing/2010/main" xmlns="" w="9525">
+                <a14:hiddenLine xmlns="" xmlns:a14="http://schemas.microsoft.com/office/drawing/2010/main" w="9525">
                   <a:solidFill>
                     <a:srgbClr val="000000"/>
                   </a:solidFill>
@@ -1614,7 +1615,7 @@
             </a:ln>
             <a:extLst>
               <a:ext uri="{91240B29-F687-4f45-9708-019B960494DF}">
-                <a14:hiddenLine xmlns:a14="http://schemas.microsoft.com/office/drawing/2010/main" xmlns="" w="9525">
+                <a14:hiddenLine xmlns="" xmlns:a14="http://schemas.microsoft.com/office/drawing/2010/main" w="9525">
                   <a:solidFill>
                     <a:srgbClr val="000000"/>
                   </a:solidFill>
@@ -1704,7 +1705,7 @@
             </a:ln>
             <a:extLst>
               <a:ext uri="{91240B29-F687-4f45-9708-019B960494DF}">
-                <a14:hiddenLine xmlns:a14="http://schemas.microsoft.com/office/drawing/2010/main" xmlns="" w="9525">
+                <a14:hiddenLine xmlns="" xmlns:a14="http://schemas.microsoft.com/office/drawing/2010/main" w="9525">
                   <a:solidFill>
                     <a:srgbClr val="000000"/>
                   </a:solidFill>
@@ -1760,7 +1761,7 @@
             </a:ln>
             <a:extLst>
               <a:ext uri="{91240B29-F687-4f45-9708-019B960494DF}">
-                <a14:hiddenLine xmlns:a14="http://schemas.microsoft.com/office/drawing/2010/main" xmlns="" w="9525">
+                <a14:hiddenLine xmlns="" xmlns:a14="http://schemas.microsoft.com/office/drawing/2010/main" w="9525">
                   <a:solidFill>
                     <a:srgbClr val="000000"/>
                   </a:solidFill>
@@ -1850,7 +1851,7 @@
             </a:ln>
             <a:extLst>
               <a:ext uri="{91240B29-F687-4f45-9708-019B960494DF}">
-                <a14:hiddenLine xmlns:a14="http://schemas.microsoft.com/office/drawing/2010/main" xmlns="" w="9525">
+                <a14:hiddenLine xmlns="" xmlns:a14="http://schemas.microsoft.com/office/drawing/2010/main" w="9525">
                   <a:solidFill>
                     <a:srgbClr val="000000"/>
                   </a:solidFill>
@@ -1906,7 +1907,7 @@
             </a:ln>
             <a:extLst>
               <a:ext uri="{91240B29-F687-4f45-9708-019B960494DF}">
-                <a14:hiddenLine xmlns:a14="http://schemas.microsoft.com/office/drawing/2010/main" xmlns="" w="9525">
+                <a14:hiddenLine xmlns="" xmlns:a14="http://schemas.microsoft.com/office/drawing/2010/main" w="9525">
                   <a:solidFill>
                     <a:srgbClr val="000000"/>
                   </a:solidFill>
@@ -1996,7 +1997,7 @@
             </a:ln>
             <a:extLst>
               <a:ext uri="{91240B29-F687-4f45-9708-019B960494DF}">
-                <a14:hiddenLine xmlns:a14="http://schemas.microsoft.com/office/drawing/2010/main" xmlns="" w="9525">
+                <a14:hiddenLine xmlns="" xmlns:a14="http://schemas.microsoft.com/office/drawing/2010/main" w="9525">
                   <a:solidFill>
                     <a:srgbClr val="000000"/>
                   </a:solidFill>
@@ -2064,7 +2065,7 @@
             </a:ln>
             <a:extLst>
               <a:ext uri="{91240B29-F687-4f45-9708-019B960494DF}">
-                <a14:hiddenLine xmlns:a14="http://schemas.microsoft.com/office/drawing/2010/main" xmlns="" w="9525">
+                <a14:hiddenLine xmlns="" xmlns:a14="http://schemas.microsoft.com/office/drawing/2010/main" w="9525">
                   <a:solidFill>
                     <a:srgbClr val="000000"/>
                   </a:solidFill>
@@ -2154,7 +2155,7 @@
             </a:ln>
             <a:extLst>
               <a:ext uri="{91240B29-F687-4f45-9708-019B960494DF}">
-                <a14:hiddenLine xmlns:a14="http://schemas.microsoft.com/office/drawing/2010/main" xmlns="" w="9525">
+                <a14:hiddenLine xmlns="" xmlns:a14="http://schemas.microsoft.com/office/drawing/2010/main" w="9525">
                   <a:solidFill>
                     <a:srgbClr val="000000"/>
                   </a:solidFill>
@@ -2222,7 +2223,7 @@
             </a:ln>
             <a:extLst>
               <a:ext uri="{91240B29-F687-4f45-9708-019B960494DF}">
-                <a14:hiddenLine xmlns:a14="http://schemas.microsoft.com/office/drawing/2010/main" xmlns="" w="9525">
+                <a14:hiddenLine xmlns="" xmlns:a14="http://schemas.microsoft.com/office/drawing/2010/main" w="9525">
                   <a:solidFill>
                     <a:srgbClr val="000000"/>
                   </a:solidFill>
@@ -2312,7 +2313,7 @@
             </a:ln>
             <a:extLst>
               <a:ext uri="{91240B29-F687-4f45-9708-019B960494DF}">
-                <a14:hiddenLine xmlns:a14="http://schemas.microsoft.com/office/drawing/2010/main" xmlns="" w="9525">
+                <a14:hiddenLine xmlns="" xmlns:a14="http://schemas.microsoft.com/office/drawing/2010/main" w="9525">
                   <a:solidFill>
                     <a:srgbClr val="000000"/>
                   </a:solidFill>
@@ -2346,7 +2347,7 @@
             </a:ln>
             <a:extLst>
               <a:ext uri="{91240B29-F687-4f45-9708-019B960494DF}">
-                <a14:hiddenLine xmlns:a14="http://schemas.microsoft.com/office/drawing/2010/main" xmlns="" w="9525">
+                <a14:hiddenLine xmlns="" xmlns:a14="http://schemas.microsoft.com/office/drawing/2010/main" w="9525">
                   <a:solidFill>
                     <a:srgbClr val="000000"/>
                   </a:solidFill>
@@ -2436,7 +2437,7 @@
             </a:ln>
             <a:extLst>
               <a:ext uri="{91240B29-F687-4f45-9708-019B960494DF}">
-                <a14:hiddenLine xmlns:a14="http://schemas.microsoft.com/office/drawing/2010/main" xmlns="" w="9525">
+                <a14:hiddenLine xmlns="" xmlns:a14="http://schemas.microsoft.com/office/drawing/2010/main" w="9525">
                   <a:solidFill>
                     <a:srgbClr val="000000"/>
                   </a:solidFill>
@@ -2498,7 +2499,7 @@
             </a:ln>
             <a:extLst>
               <a:ext uri="{91240B29-F687-4f45-9708-019B960494DF}">
-                <a14:hiddenLine xmlns:a14="http://schemas.microsoft.com/office/drawing/2010/main" xmlns="" w="9525">
+                <a14:hiddenLine xmlns="" xmlns:a14="http://schemas.microsoft.com/office/drawing/2010/main" w="9525">
                   <a:solidFill>
                     <a:srgbClr val="000000"/>
                   </a:solidFill>
@@ -2560,7 +2561,7 @@
             </a:ln>
             <a:extLst>
               <a:ext uri="{91240B29-F687-4f45-9708-019B960494DF}">
-                <a14:hiddenLine xmlns:a14="http://schemas.microsoft.com/office/drawing/2010/main" xmlns="" w="9525">
+                <a14:hiddenLine xmlns="" xmlns:a14="http://schemas.microsoft.com/office/drawing/2010/main" w="9525">
                   <a:solidFill>
                     <a:srgbClr val="000000"/>
                   </a:solidFill>
@@ -2650,7 +2651,7 @@
             </a:ln>
             <a:extLst>
               <a:ext uri="{91240B29-F687-4f45-9708-019B960494DF}">
-                <a14:hiddenLine xmlns:a14="http://schemas.microsoft.com/office/drawing/2010/main" xmlns="" w="9525">
+                <a14:hiddenLine xmlns="" xmlns:a14="http://schemas.microsoft.com/office/drawing/2010/main" w="9525">
                   <a:solidFill>
                     <a:srgbClr val="000000"/>
                   </a:solidFill>
@@ -2718,7 +2719,7 @@
             </a:ln>
             <a:extLst>
               <a:ext uri="{91240B29-F687-4f45-9708-019B960494DF}">
-                <a14:hiddenLine xmlns:a14="http://schemas.microsoft.com/office/drawing/2010/main" xmlns="" w="9525">
+                <a14:hiddenLine xmlns="" xmlns:a14="http://schemas.microsoft.com/office/drawing/2010/main" w="9525">
                   <a:solidFill>
                     <a:srgbClr val="000000"/>
                   </a:solidFill>
@@ -2780,7 +2781,7 @@
             </a:ln>
             <a:extLst>
               <a:ext uri="{91240B29-F687-4f45-9708-019B960494DF}">
-                <a14:hiddenLine xmlns:a14="http://schemas.microsoft.com/office/drawing/2010/main" xmlns="" w="9525">
+                <a14:hiddenLine xmlns="" xmlns:a14="http://schemas.microsoft.com/office/drawing/2010/main" w="9525">
                   <a:solidFill>
                     <a:srgbClr val="000000"/>
                   </a:solidFill>
@@ -2870,7 +2871,7 @@
             </a:ln>
             <a:extLst>
               <a:ext uri="{91240B29-F687-4f45-9708-019B960494DF}">
-                <a14:hiddenLine xmlns:a14="http://schemas.microsoft.com/office/drawing/2010/main" xmlns="" w="9525">
+                <a14:hiddenLine xmlns="" xmlns:a14="http://schemas.microsoft.com/office/drawing/2010/main" w="9525">
                   <a:solidFill>
                     <a:srgbClr val="000000"/>
                   </a:solidFill>
@@ -2932,7 +2933,7 @@
             </a:ln>
             <a:extLst>
               <a:ext uri="{91240B29-F687-4f45-9708-019B960494DF}">
-                <a14:hiddenLine xmlns:a14="http://schemas.microsoft.com/office/drawing/2010/main" xmlns="" w="9525">
+                <a14:hiddenLine xmlns="" xmlns:a14="http://schemas.microsoft.com/office/drawing/2010/main" w="9525">
                   <a:solidFill>
                     <a:srgbClr val="000000"/>
                   </a:solidFill>
@@ -3022,7 +3023,7 @@
             </a:ln>
             <a:extLst>
               <a:ext uri="{91240B29-F687-4f45-9708-019B960494DF}">
-                <a14:hiddenLine xmlns:a14="http://schemas.microsoft.com/office/drawing/2010/main" xmlns="" w="9525">
+                <a14:hiddenLine xmlns="" xmlns:a14="http://schemas.microsoft.com/office/drawing/2010/main" w="9525">
                   <a:solidFill>
                     <a:srgbClr val="000000"/>
                   </a:solidFill>
@@ -3084,7 +3085,7 @@
             </a:ln>
             <a:extLst>
               <a:ext uri="{91240B29-F687-4f45-9708-019B960494DF}">
-                <a14:hiddenLine xmlns:a14="http://schemas.microsoft.com/office/drawing/2010/main" xmlns="" w="9525">
+                <a14:hiddenLine xmlns="" xmlns:a14="http://schemas.microsoft.com/office/drawing/2010/main" w="9525">
                   <a:solidFill>
                     <a:srgbClr val="000000"/>
                   </a:solidFill>
@@ -3174,7 +3175,7 @@
             </a:ln>
             <a:extLst>
               <a:ext uri="{91240B29-F687-4f45-9708-019B960494DF}">
-                <a14:hiddenLine xmlns:a14="http://schemas.microsoft.com/office/drawing/2010/main" xmlns="" w="9525">
+                <a14:hiddenLine xmlns="" xmlns:a14="http://schemas.microsoft.com/office/drawing/2010/main" w="9525">
                   <a:solidFill>
                     <a:srgbClr val="000000"/>
                   </a:solidFill>
@@ -3208,7 +3209,7 @@
             </a:ln>
             <a:extLst>
               <a:ext uri="{91240B29-F687-4f45-9708-019B960494DF}">
-                <a14:hiddenLine xmlns:a14="http://schemas.microsoft.com/office/drawing/2010/main" xmlns="" w="9525">
+                <a14:hiddenLine xmlns="" xmlns:a14="http://schemas.microsoft.com/office/drawing/2010/main" w="9525">
                   <a:solidFill>
                     <a:srgbClr val="000000"/>
                   </a:solidFill>
@@ -3273,7 +3274,7 @@
             </a:ln>
             <a:extLst>
               <a:ext uri="{91240B29-F687-4f45-9708-019B960494DF}">
-                <a14:hiddenLine xmlns:a14="http://schemas.microsoft.com/office/drawing/2010/main" xmlns="" w="9525">
+                <a14:hiddenLine xmlns="" xmlns:a14="http://schemas.microsoft.com/office/drawing/2010/main" w="9525">
                   <a:solidFill>
                     <a:srgbClr val="000000"/>
                   </a:solidFill>
@@ -3363,7 +3364,7 @@
             </a:ln>
             <a:extLst>
               <a:ext uri="{91240B29-F687-4f45-9708-019B960494DF}">
-                <a14:hiddenLine xmlns:a14="http://schemas.microsoft.com/office/drawing/2010/main" xmlns="" w="9525">
+                <a14:hiddenLine xmlns="" xmlns:a14="http://schemas.microsoft.com/office/drawing/2010/main" w="9525">
                   <a:solidFill>
                     <a:srgbClr val="000000"/>
                   </a:solidFill>
@@ -3425,7 +3426,7 @@
             </a:ln>
             <a:extLst>
               <a:ext uri="{91240B29-F687-4f45-9708-019B960494DF}">
-                <a14:hiddenLine xmlns:a14="http://schemas.microsoft.com/office/drawing/2010/main" xmlns="" w="9525">
+                <a14:hiddenLine xmlns="" xmlns:a14="http://schemas.microsoft.com/office/drawing/2010/main" w="9525">
                   <a:solidFill>
                     <a:srgbClr val="000000"/>
                   </a:solidFill>
@@ -3515,7 +3516,7 @@
             </a:ln>
             <a:extLst>
               <a:ext uri="{91240B29-F687-4f45-9708-019B960494DF}">
-                <a14:hiddenLine xmlns:a14="http://schemas.microsoft.com/office/drawing/2010/main" xmlns="" w="9525">
+                <a14:hiddenLine xmlns="" xmlns:a14="http://schemas.microsoft.com/office/drawing/2010/main" w="9525">
                   <a:solidFill>
                     <a:srgbClr val="000000"/>
                   </a:solidFill>
@@ -3605,7 +3606,7 @@
             </a:ln>
             <a:extLst>
               <a:ext uri="{91240B29-F687-4f45-9708-019B960494DF}">
-                <a14:hiddenLine xmlns:a14="http://schemas.microsoft.com/office/drawing/2010/main" xmlns="" w="9525">
+                <a14:hiddenLine xmlns="" xmlns:a14="http://schemas.microsoft.com/office/drawing/2010/main" w="9525">
                   <a:solidFill>
                     <a:srgbClr val="000000"/>
                   </a:solidFill>
@@ -3670,7 +3671,7 @@
             </a:ln>
             <a:extLst>
               <a:ext uri="{91240B29-F687-4f45-9708-019B960494DF}">
-                <a14:hiddenLine xmlns:a14="http://schemas.microsoft.com/office/drawing/2010/main" xmlns="" w="9525">
+                <a14:hiddenLine xmlns="" xmlns:a14="http://schemas.microsoft.com/office/drawing/2010/main" w="9525">
                   <a:solidFill>
                     <a:srgbClr val="000000"/>
                   </a:solidFill>
@@ -3732,7 +3733,7 @@
             </a:ln>
             <a:extLst>
               <a:ext uri="{91240B29-F687-4f45-9708-019B960494DF}">
-                <a14:hiddenLine xmlns:a14="http://schemas.microsoft.com/office/drawing/2010/main" xmlns="" w="9525">
+                <a14:hiddenLine xmlns="" xmlns:a14="http://schemas.microsoft.com/office/drawing/2010/main" w="9525">
                   <a:solidFill>
                     <a:srgbClr val="000000"/>
                   </a:solidFill>
@@ -3822,7 +3823,7 @@
             </a:ln>
             <a:extLst>
               <a:ext uri="{91240B29-F687-4f45-9708-019B960494DF}">
-                <a14:hiddenLine xmlns:a14="http://schemas.microsoft.com/office/drawing/2010/main" xmlns="" w="9525">
+                <a14:hiddenLine xmlns="" xmlns:a14="http://schemas.microsoft.com/office/drawing/2010/main" w="9525">
                   <a:solidFill>
                     <a:srgbClr val="000000"/>
                   </a:solidFill>
@@ -3912,7 +3913,7 @@
             </a:ln>
             <a:extLst>
               <a:ext uri="{91240B29-F687-4f45-9708-019B960494DF}">
-                <a14:hiddenLine xmlns:a14="http://schemas.microsoft.com/office/drawing/2010/main" xmlns="" w="9525">
+                <a14:hiddenLine xmlns="" xmlns:a14="http://schemas.microsoft.com/office/drawing/2010/main" w="9525">
                   <a:solidFill>
                     <a:srgbClr val="000000"/>
                   </a:solidFill>
@@ -3974,7 +3975,7 @@
             </a:ln>
             <a:extLst>
               <a:ext uri="{91240B29-F687-4f45-9708-019B960494DF}">
-                <a14:hiddenLine xmlns:a14="http://schemas.microsoft.com/office/drawing/2010/main" xmlns="" w="9525">
+                <a14:hiddenLine xmlns="" xmlns:a14="http://schemas.microsoft.com/office/drawing/2010/main" w="9525">
                   <a:solidFill>
                     <a:srgbClr val="000000"/>
                   </a:solidFill>
@@ -4094,7 +4095,7 @@
             </a:ln>
             <a:extLst>
               <a:ext uri="{91240B29-F687-4f45-9708-019B960494DF}">
-                <a14:hiddenLine xmlns:a14="http://schemas.microsoft.com/office/drawing/2010/main" xmlns="" w="9525">
+                <a14:hiddenLine xmlns="" xmlns:a14="http://schemas.microsoft.com/office/drawing/2010/main" w="9525">
                   <a:solidFill>
                     <a:srgbClr val="000000"/>
                   </a:solidFill>
@@ -4162,7 +4163,7 @@
             </a:ln>
             <a:extLst>
               <a:ext uri="{91240B29-F687-4f45-9708-019B960494DF}">
-                <a14:hiddenLine xmlns:a14="http://schemas.microsoft.com/office/drawing/2010/main" xmlns="" w="9525">
+                <a14:hiddenLine xmlns="" xmlns:a14="http://schemas.microsoft.com/office/drawing/2010/main" w="9525">
                   <a:solidFill>
                     <a:srgbClr val="000000"/>
                   </a:solidFill>
@@ -4252,7 +4253,7 @@
             </a:ln>
             <a:extLst>
               <a:ext uri="{91240B29-F687-4f45-9708-019B960494DF}">
-                <a14:hiddenLine xmlns:a14="http://schemas.microsoft.com/office/drawing/2010/main" xmlns="" w="9525">
+                <a14:hiddenLine xmlns="" xmlns:a14="http://schemas.microsoft.com/office/drawing/2010/main" w="9525">
                   <a:solidFill>
                     <a:srgbClr val="000000"/>
                   </a:solidFill>
@@ -4393,7 +4394,7 @@
             <a:fld id="{B61BEF0D-F0BB-DE4B-95CE-6DB70DBA9567}" type="datetimeFigureOut">
               <a:rPr lang="en-US" smtClean="0"/>
               <a:pPr/>
-              <a:t>7/31/2014</a:t>
+              <a:t>10/7/2014</a:t>
             </a:fld>
             <a:endParaRPr lang="en-US" dirty="0"/>
           </a:p>
@@ -4662,7 +4663,7 @@
             <a:fld id="{B61BEF0D-F0BB-DE4B-95CE-6DB70DBA9567}" type="datetimeFigureOut">
               <a:rPr lang="en-US" smtClean="0"/>
               <a:pPr/>
-              <a:t>7/31/2014</a:t>
+              <a:t>10/7/2014</a:t>
             </a:fld>
             <a:endParaRPr lang="en-US" dirty="0"/>
           </a:p>
@@ -4860,7 +4861,7 @@
             <a:fld id="{B61BEF0D-F0BB-DE4B-95CE-6DB70DBA9567}" type="datetimeFigureOut">
               <a:rPr lang="en-US" smtClean="0"/>
               <a:pPr/>
-              <a:t>7/31/2014</a:t>
+              <a:t>10/7/2014</a:t>
             </a:fld>
             <a:endParaRPr lang="en-US" dirty="0"/>
           </a:p>
@@ -5125,7 +5126,7 @@
             <a:fld id="{B61BEF0D-F0BB-DE4B-95CE-6DB70DBA9567}" type="datetimeFigureOut">
               <a:rPr lang="en-US" smtClean="0"/>
               <a:pPr/>
-              <a:t>7/31/2014</a:t>
+              <a:t>10/7/2014</a:t>
             </a:fld>
             <a:endParaRPr lang="en-US" dirty="0"/>
           </a:p>
@@ -5561,7 +5562,7 @@
             <a:fld id="{B61BEF0D-F0BB-DE4B-95CE-6DB70DBA9567}" type="datetimeFigureOut">
               <a:rPr lang="en-US" smtClean="0"/>
               <a:pPr/>
-              <a:t>7/31/2014</a:t>
+              <a:t>10/7/2014</a:t>
             </a:fld>
             <a:endParaRPr lang="en-US" dirty="0"/>
           </a:p>
@@ -6109,7 +6110,7 @@
             <a:fld id="{B61BEF0D-F0BB-DE4B-95CE-6DB70DBA9567}" type="datetimeFigureOut">
               <a:rPr lang="en-US" smtClean="0"/>
               <a:pPr/>
-              <a:t>7/31/2014</a:t>
+              <a:t>10/7/2014</a:t>
             </a:fld>
             <a:endParaRPr lang="en-US" dirty="0"/>
           </a:p>
@@ -6831,7 +6832,7 @@
             <a:fld id="{B61BEF0D-F0BB-DE4B-95CE-6DB70DBA9567}" type="datetimeFigureOut">
               <a:rPr lang="en-US" smtClean="0"/>
               <a:pPr/>
-              <a:t>7/31/2014</a:t>
+              <a:t>10/7/2014</a:t>
             </a:fld>
             <a:endParaRPr lang="en-US" dirty="0"/>
           </a:p>
@@ -7035,7 +7036,7 @@
             <a:fld id="{B61BEF0D-F0BB-DE4B-95CE-6DB70DBA9567}" type="datetimeFigureOut">
               <a:rPr lang="en-US" smtClean="0"/>
               <a:pPr/>
-              <a:t>7/31/2014</a:t>
+              <a:t>10/7/2014</a:t>
             </a:fld>
             <a:endParaRPr lang="en-US" dirty="0"/>
           </a:p>
@@ -7249,7 +7250,7 @@
             <a:fld id="{B61BEF0D-F0BB-DE4B-95CE-6DB70DBA9567}" type="datetimeFigureOut">
               <a:rPr lang="en-US" smtClean="0"/>
               <a:pPr/>
-              <a:t>7/31/2014</a:t>
+              <a:t>10/7/2014</a:t>
             </a:fld>
             <a:endParaRPr lang="en-US" dirty="0"/>
           </a:p>
@@ -7453,7 +7454,7 @@
             <a:fld id="{B61BEF0D-F0BB-DE4B-95CE-6DB70DBA9567}" type="datetimeFigureOut">
               <a:rPr lang="en-US" smtClean="0"/>
               <a:pPr/>
-              <a:t>7/31/2014</a:t>
+              <a:t>10/7/2014</a:t>
             </a:fld>
             <a:endParaRPr lang="en-US" dirty="0"/>
           </a:p>
@@ -7705,7 +7706,7 @@
             <a:fld id="{B61BEF0D-F0BB-DE4B-95CE-6DB70DBA9567}" type="datetimeFigureOut">
               <a:rPr lang="en-US" smtClean="0"/>
               <a:pPr/>
-              <a:t>7/31/2014</a:t>
+              <a:t>10/7/2014</a:t>
             </a:fld>
             <a:endParaRPr lang="en-US" dirty="0"/>
           </a:p>
@@ -8003,7 +8004,7 @@
             <a:fld id="{B61BEF0D-F0BB-DE4B-95CE-6DB70DBA9567}" type="datetimeFigureOut">
               <a:rPr lang="en-US" smtClean="0"/>
               <a:pPr/>
-              <a:t>7/31/2014</a:t>
+              <a:t>10/7/2014</a:t>
             </a:fld>
             <a:endParaRPr lang="en-US" dirty="0"/>
           </a:p>
@@ -8450,7 +8451,7 @@
             <a:fld id="{B61BEF0D-F0BB-DE4B-95CE-6DB70DBA9567}" type="datetimeFigureOut">
               <a:rPr lang="en-US" smtClean="0"/>
               <a:pPr/>
-              <a:t>7/31/2014</a:t>
+              <a:t>10/7/2014</a:t>
             </a:fld>
             <a:endParaRPr lang="en-US" dirty="0"/>
           </a:p>
@@ -8570,7 +8571,7 @@
             <a:fld id="{B61BEF0D-F0BB-DE4B-95CE-6DB70DBA9567}" type="datetimeFigureOut">
               <a:rPr lang="en-US" smtClean="0"/>
               <a:pPr/>
-              <a:t>7/31/2014</a:t>
+              <a:t>10/7/2014</a:t>
             </a:fld>
             <a:endParaRPr lang="en-US" dirty="0"/>
           </a:p>
@@ -8667,7 +8668,7 @@
             <a:fld id="{B61BEF0D-F0BB-DE4B-95CE-6DB70DBA9567}" type="datetimeFigureOut">
               <a:rPr lang="en-US" smtClean="0"/>
               <a:pPr/>
-              <a:t>7/31/2014</a:t>
+              <a:t>10/7/2014</a:t>
             </a:fld>
             <a:endParaRPr lang="en-US" dirty="0"/>
           </a:p>
@@ -8950,7 +8951,7 @@
             <a:fld id="{B61BEF0D-F0BB-DE4B-95CE-6DB70DBA9567}" type="datetimeFigureOut">
               <a:rPr lang="en-US" smtClean="0"/>
               <a:pPr/>
-              <a:t>7/31/2014</a:t>
+              <a:t>10/7/2014</a:t>
             </a:fld>
             <a:endParaRPr lang="en-US" dirty="0"/>
           </a:p>
@@ -9232,7 +9233,7 @@
             <a:fld id="{B61BEF0D-F0BB-DE4B-95CE-6DB70DBA9567}" type="datetimeFigureOut">
               <a:rPr lang="en-US" smtClean="0"/>
               <a:pPr/>
-              <a:t>7/31/2014</a:t>
+              <a:t>10/7/2014</a:t>
             </a:fld>
             <a:endParaRPr lang="en-US" dirty="0"/>
           </a:p>
@@ -9349,7 +9350,7 @@
           <a:noFill/>
           <a:extLst>
             <a:ext uri="{909E8E84-426E-40dd-AFC4-6F175D3DCCD1}">
-              <a14:hiddenFill xmlns:a14="http://schemas.microsoft.com/office/drawing/2010/main" xmlns="">
+              <a14:hiddenFill xmlns="" xmlns:a14="http://schemas.microsoft.com/office/drawing/2010/main">
                 <a:solidFill>
                   <a:srgbClr val="FFFFFF"/>
                 </a:solidFill>
@@ -9423,7 +9424,7 @@
               </a:ln>
               <a:extLst>
                 <a:ext uri="{91240B29-F687-4f45-9708-019B960494DF}">
-                  <a14:hiddenLine xmlns:a14="http://schemas.microsoft.com/office/drawing/2010/main" xmlns="" w="9525">
+                  <a14:hiddenLine xmlns="" xmlns:a14="http://schemas.microsoft.com/office/drawing/2010/main" w="9525">
                     <a:solidFill>
                       <a:srgbClr val="000000"/>
                     </a:solidFill>
@@ -9513,7 +9514,7 @@
               </a:ln>
               <a:extLst>
                 <a:ext uri="{91240B29-F687-4f45-9708-019B960494DF}">
-                  <a14:hiddenLine xmlns:a14="http://schemas.microsoft.com/office/drawing/2010/main" xmlns="" w="9525">
+                  <a14:hiddenLine xmlns="" xmlns:a14="http://schemas.microsoft.com/office/drawing/2010/main" w="9525">
                     <a:solidFill>
                       <a:srgbClr val="000000"/>
                     </a:solidFill>
@@ -9603,7 +9604,7 @@
               </a:ln>
               <a:extLst>
                 <a:ext uri="{91240B29-F687-4f45-9708-019B960494DF}">
-                  <a14:hiddenLine xmlns:a14="http://schemas.microsoft.com/office/drawing/2010/main" xmlns="" w="9525">
+                  <a14:hiddenLine xmlns="" xmlns:a14="http://schemas.microsoft.com/office/drawing/2010/main" w="9525">
                     <a:solidFill>
                       <a:srgbClr val="000000"/>
                     </a:solidFill>
@@ -9665,7 +9666,7 @@
               </a:ln>
               <a:extLst>
                 <a:ext uri="{91240B29-F687-4f45-9708-019B960494DF}">
-                  <a14:hiddenLine xmlns:a14="http://schemas.microsoft.com/office/drawing/2010/main" xmlns="" w="9525">
+                  <a14:hiddenLine xmlns="" xmlns:a14="http://schemas.microsoft.com/office/drawing/2010/main" w="9525">
                     <a:solidFill>
                       <a:srgbClr val="000000"/>
                     </a:solidFill>
@@ -9755,7 +9756,7 @@
               </a:ln>
               <a:extLst>
                 <a:ext uri="{91240B29-F687-4f45-9708-019B960494DF}">
-                  <a14:hiddenLine xmlns:a14="http://schemas.microsoft.com/office/drawing/2010/main" xmlns="" w="9525">
+                  <a14:hiddenLine xmlns="" xmlns:a14="http://schemas.microsoft.com/office/drawing/2010/main" w="9525">
                     <a:solidFill>
                       <a:srgbClr val="000000"/>
                     </a:solidFill>
@@ -9817,7 +9818,7 @@
               </a:ln>
               <a:extLst>
                 <a:ext uri="{91240B29-F687-4f45-9708-019B960494DF}">
-                  <a14:hiddenLine xmlns:a14="http://schemas.microsoft.com/office/drawing/2010/main" xmlns="" w="9525">
+                  <a14:hiddenLine xmlns="" xmlns:a14="http://schemas.microsoft.com/office/drawing/2010/main" w="9525">
                     <a:solidFill>
                       <a:srgbClr val="000000"/>
                     </a:solidFill>
@@ -9879,7 +9880,7 @@
               </a:ln>
               <a:extLst>
                 <a:ext uri="{91240B29-F687-4f45-9708-019B960494DF}">
-                  <a14:hiddenLine xmlns:a14="http://schemas.microsoft.com/office/drawing/2010/main" xmlns="" w="9525">
+                  <a14:hiddenLine xmlns="" xmlns:a14="http://schemas.microsoft.com/office/drawing/2010/main" w="9525">
                     <a:solidFill>
                       <a:srgbClr val="000000"/>
                     </a:solidFill>
@@ -9969,7 +9970,7 @@
               </a:ln>
               <a:extLst>
                 <a:ext uri="{91240B29-F687-4f45-9708-019B960494DF}">
-                  <a14:hiddenLine xmlns:a14="http://schemas.microsoft.com/office/drawing/2010/main" xmlns="" w="9525">
+                  <a14:hiddenLine xmlns="" xmlns:a14="http://schemas.microsoft.com/office/drawing/2010/main" w="9525">
                     <a:solidFill>
                       <a:srgbClr val="000000"/>
                     </a:solidFill>
@@ -10059,7 +10060,7 @@
               </a:ln>
               <a:extLst>
                 <a:ext uri="{91240B29-F687-4f45-9708-019B960494DF}">
-                  <a14:hiddenLine xmlns:a14="http://schemas.microsoft.com/office/drawing/2010/main" xmlns="" w="9525">
+                  <a14:hiddenLine xmlns="" xmlns:a14="http://schemas.microsoft.com/office/drawing/2010/main" w="9525">
                     <a:solidFill>
                       <a:srgbClr val="000000"/>
                     </a:solidFill>
@@ -10121,7 +10122,7 @@
               </a:ln>
               <a:extLst>
                 <a:ext uri="{91240B29-F687-4f45-9708-019B960494DF}">
-                  <a14:hiddenLine xmlns:a14="http://schemas.microsoft.com/office/drawing/2010/main" xmlns="" w="9525">
+                  <a14:hiddenLine xmlns="" xmlns:a14="http://schemas.microsoft.com/office/drawing/2010/main" w="9525">
                     <a:solidFill>
                       <a:srgbClr val="000000"/>
                     </a:solidFill>
@@ -10231,7 +10232,7 @@
               </a:ln>
               <a:extLst>
                 <a:ext uri="{91240B29-F687-4f45-9708-019B960494DF}">
-                  <a14:hiddenLine xmlns:a14="http://schemas.microsoft.com/office/drawing/2010/main" xmlns="" w="9525">
+                  <a14:hiddenLine xmlns="" xmlns:a14="http://schemas.microsoft.com/office/drawing/2010/main" w="9525">
                     <a:solidFill>
                       <a:srgbClr val="000000"/>
                     </a:solidFill>
@@ -10315,7 +10316,7 @@
               </a:ln>
               <a:extLst>
                 <a:ext uri="{91240B29-F687-4f45-9708-019B960494DF}">
-                  <a14:hiddenLine xmlns:a14="http://schemas.microsoft.com/office/drawing/2010/main" xmlns="" w="9525">
+                  <a14:hiddenLine xmlns="" xmlns:a14="http://schemas.microsoft.com/office/drawing/2010/main" w="9525">
                     <a:solidFill>
                       <a:srgbClr val="000000"/>
                     </a:solidFill>
@@ -10377,7 +10378,7 @@
               </a:ln>
               <a:extLst>
                 <a:ext uri="{91240B29-F687-4f45-9708-019B960494DF}">
-                  <a14:hiddenLine xmlns:a14="http://schemas.microsoft.com/office/drawing/2010/main" xmlns="" w="9525">
+                  <a14:hiddenLine xmlns="" xmlns:a14="http://schemas.microsoft.com/office/drawing/2010/main" w="9525">
                     <a:solidFill>
                       <a:srgbClr val="000000"/>
                     </a:solidFill>
@@ -10439,7 +10440,7 @@
               </a:ln>
               <a:extLst>
                 <a:ext uri="{91240B29-F687-4f45-9708-019B960494DF}">
-                  <a14:hiddenLine xmlns:a14="http://schemas.microsoft.com/office/drawing/2010/main" xmlns="" w="9525">
+                  <a14:hiddenLine xmlns="" xmlns:a14="http://schemas.microsoft.com/office/drawing/2010/main" w="9525">
                     <a:solidFill>
                       <a:srgbClr val="000000"/>
                     </a:solidFill>
@@ -10529,7 +10530,7 @@
               </a:ln>
               <a:extLst>
                 <a:ext uri="{91240B29-F687-4f45-9708-019B960494DF}">
-                  <a14:hiddenLine xmlns:a14="http://schemas.microsoft.com/office/drawing/2010/main" xmlns="" w="9525">
+                  <a14:hiddenLine xmlns="" xmlns:a14="http://schemas.microsoft.com/office/drawing/2010/main" w="9525">
                     <a:solidFill>
                       <a:srgbClr val="000000"/>
                     </a:solidFill>
@@ -10563,7 +10564,7 @@
               </a:ln>
               <a:extLst>
                 <a:ext uri="{91240B29-F687-4f45-9708-019B960494DF}">
-                  <a14:hiddenLine xmlns:a14="http://schemas.microsoft.com/office/drawing/2010/main" xmlns="" w="9525">
+                  <a14:hiddenLine xmlns="" xmlns:a14="http://schemas.microsoft.com/office/drawing/2010/main" w="9525">
                     <a:solidFill>
                       <a:srgbClr val="000000"/>
                     </a:solidFill>
@@ -10628,7 +10629,7 @@
               </a:ln>
               <a:extLst>
                 <a:ext uri="{91240B29-F687-4f45-9708-019B960494DF}">
-                  <a14:hiddenLine xmlns:a14="http://schemas.microsoft.com/office/drawing/2010/main" xmlns="" w="9525">
+                  <a14:hiddenLine xmlns="" xmlns:a14="http://schemas.microsoft.com/office/drawing/2010/main" w="9525">
                     <a:solidFill>
                       <a:srgbClr val="000000"/>
                     </a:solidFill>
@@ -10718,7 +10719,7 @@
               </a:ln>
               <a:extLst>
                 <a:ext uri="{91240B29-F687-4f45-9708-019B960494DF}">
-                  <a14:hiddenLine xmlns:a14="http://schemas.microsoft.com/office/drawing/2010/main" xmlns="" w="9525">
+                  <a14:hiddenLine xmlns="" xmlns:a14="http://schemas.microsoft.com/office/drawing/2010/main" w="9525">
                     <a:solidFill>
                       <a:srgbClr val="000000"/>
                     </a:solidFill>
@@ -10780,7 +10781,7 @@
               </a:ln>
               <a:extLst>
                 <a:ext uri="{91240B29-F687-4f45-9708-019B960494DF}">
-                  <a14:hiddenLine xmlns:a14="http://schemas.microsoft.com/office/drawing/2010/main" xmlns="" w="9525">
+                  <a14:hiddenLine xmlns="" xmlns:a14="http://schemas.microsoft.com/office/drawing/2010/main" w="9525">
                     <a:solidFill>
                       <a:srgbClr val="000000"/>
                     </a:solidFill>
@@ -10870,7 +10871,7 @@
               </a:ln>
               <a:extLst>
                 <a:ext uri="{91240B29-F687-4f45-9708-019B960494DF}">
-                  <a14:hiddenLine xmlns:a14="http://schemas.microsoft.com/office/drawing/2010/main" xmlns="" w="9525">
+                  <a14:hiddenLine xmlns="" xmlns:a14="http://schemas.microsoft.com/office/drawing/2010/main" w="9525">
                     <a:solidFill>
                       <a:srgbClr val="000000"/>
                     </a:solidFill>
@@ -10935,7 +10936,7 @@
               </a:ln>
               <a:extLst>
                 <a:ext uri="{91240B29-F687-4f45-9708-019B960494DF}">
-                  <a14:hiddenLine xmlns:a14="http://schemas.microsoft.com/office/drawing/2010/main" xmlns="" w="9525">
+                  <a14:hiddenLine xmlns="" xmlns:a14="http://schemas.microsoft.com/office/drawing/2010/main" w="9525">
                     <a:solidFill>
                       <a:srgbClr val="000000"/>
                     </a:solidFill>
@@ -10997,7 +10998,7 @@
               </a:ln>
               <a:extLst>
                 <a:ext uri="{91240B29-F687-4f45-9708-019B960494DF}">
-                  <a14:hiddenLine xmlns:a14="http://schemas.microsoft.com/office/drawing/2010/main" xmlns="" w="9525">
+                  <a14:hiddenLine xmlns="" xmlns:a14="http://schemas.microsoft.com/office/drawing/2010/main" w="9525">
                     <a:solidFill>
                       <a:srgbClr val="000000"/>
                     </a:solidFill>
@@ -11087,7 +11088,7 @@
               </a:ln>
               <a:extLst>
                 <a:ext uri="{91240B29-F687-4f45-9708-019B960494DF}">
-                  <a14:hiddenLine xmlns:a14="http://schemas.microsoft.com/office/drawing/2010/main" xmlns="" w="9525">
+                  <a14:hiddenLine xmlns="" xmlns:a14="http://schemas.microsoft.com/office/drawing/2010/main" w="9525">
                     <a:solidFill>
                       <a:srgbClr val="000000"/>
                     </a:solidFill>
@@ -11177,7 +11178,7 @@
               </a:ln>
               <a:extLst>
                 <a:ext uri="{91240B29-F687-4f45-9708-019B960494DF}">
-                  <a14:hiddenLine xmlns:a14="http://schemas.microsoft.com/office/drawing/2010/main" xmlns="" w="9525">
+                  <a14:hiddenLine xmlns="" xmlns:a14="http://schemas.microsoft.com/office/drawing/2010/main" w="9525">
                     <a:solidFill>
                       <a:srgbClr val="000000"/>
                     </a:solidFill>
@@ -11242,7 +11243,7 @@
               </a:ln>
               <a:extLst>
                 <a:ext uri="{91240B29-F687-4f45-9708-019B960494DF}">
-                  <a14:hiddenLine xmlns:a14="http://schemas.microsoft.com/office/drawing/2010/main" xmlns="" w="9525">
+                  <a14:hiddenLine xmlns="" xmlns:a14="http://schemas.microsoft.com/office/drawing/2010/main" w="9525">
                     <a:solidFill>
                       <a:srgbClr val="000000"/>
                     </a:solidFill>
@@ -11362,7 +11363,7 @@
               </a:ln>
               <a:extLst>
                 <a:ext uri="{91240B29-F687-4f45-9708-019B960494DF}">
-                  <a14:hiddenLine xmlns:a14="http://schemas.microsoft.com/office/drawing/2010/main" xmlns="" w="9525">
+                  <a14:hiddenLine xmlns="" xmlns:a14="http://schemas.microsoft.com/office/drawing/2010/main" w="9525">
                     <a:solidFill>
                       <a:srgbClr val="000000"/>
                     </a:solidFill>
@@ -11460,7 +11461,7 @@
               </a:ln>
               <a:extLst>
                 <a:ext uri="{91240B29-F687-4f45-9708-019B960494DF}">
-                  <a14:hiddenLine xmlns:a14="http://schemas.microsoft.com/office/drawing/2010/main" xmlns="" w="9525">
+                  <a14:hiddenLine xmlns="" xmlns:a14="http://schemas.microsoft.com/office/drawing/2010/main" w="9525">
                     <a:solidFill>
                       <a:srgbClr val="000000"/>
                     </a:solidFill>
@@ -11575,7 +11576,7 @@
               </a:ln>
               <a:extLst>
                 <a:ext uri="{91240B29-F687-4f45-9708-019B960494DF}">
-                  <a14:hiddenLine xmlns:a14="http://schemas.microsoft.com/office/drawing/2010/main" xmlns="" w="9525">
+                  <a14:hiddenLine xmlns="" xmlns:a14="http://schemas.microsoft.com/office/drawing/2010/main" w="9525">
                     <a:solidFill>
                       <a:srgbClr val="000000"/>
                     </a:solidFill>
@@ -11665,7 +11666,7 @@
               </a:ln>
               <a:extLst>
                 <a:ext uri="{91240B29-F687-4f45-9708-019B960494DF}">
-                  <a14:hiddenLine xmlns:a14="http://schemas.microsoft.com/office/drawing/2010/main" xmlns="" w="9525">
+                  <a14:hiddenLine xmlns="" xmlns:a14="http://schemas.microsoft.com/office/drawing/2010/main" w="9525">
                     <a:solidFill>
                       <a:srgbClr val="000000"/>
                     </a:solidFill>
@@ -11730,7 +11731,7 @@
               </a:ln>
               <a:extLst>
                 <a:ext uri="{91240B29-F687-4f45-9708-019B960494DF}">
-                  <a14:hiddenLine xmlns:a14="http://schemas.microsoft.com/office/drawing/2010/main" xmlns="" w="9525">
+                  <a14:hiddenLine xmlns="" xmlns:a14="http://schemas.microsoft.com/office/drawing/2010/main" w="9525">
                     <a:solidFill>
                       <a:srgbClr val="000000"/>
                     </a:solidFill>
@@ -11820,7 +11821,7 @@
               </a:ln>
               <a:extLst>
                 <a:ext uri="{91240B29-F687-4f45-9708-019B960494DF}">
-                  <a14:hiddenLine xmlns:a14="http://schemas.microsoft.com/office/drawing/2010/main" xmlns="" w="9525">
+                  <a14:hiddenLine xmlns="" xmlns:a14="http://schemas.microsoft.com/office/drawing/2010/main" w="9525">
                     <a:solidFill>
                       <a:srgbClr val="000000"/>
                     </a:solidFill>
@@ -11888,7 +11889,7 @@
               </a:ln>
               <a:extLst>
                 <a:ext uri="{91240B29-F687-4f45-9708-019B960494DF}">
-                  <a14:hiddenLine xmlns:a14="http://schemas.microsoft.com/office/drawing/2010/main" xmlns="" w="9525">
+                  <a14:hiddenLine xmlns="" xmlns:a14="http://schemas.microsoft.com/office/drawing/2010/main" w="9525">
                     <a:solidFill>
                       <a:srgbClr val="000000"/>
                     </a:solidFill>
@@ -11978,7 +11979,7 @@
               </a:ln>
               <a:extLst>
                 <a:ext uri="{91240B29-F687-4f45-9708-019B960494DF}">
-                  <a14:hiddenLine xmlns:a14="http://schemas.microsoft.com/office/drawing/2010/main" xmlns="" w="9525">
+                  <a14:hiddenLine xmlns="" xmlns:a14="http://schemas.microsoft.com/office/drawing/2010/main" w="9525">
                     <a:solidFill>
                       <a:srgbClr val="000000"/>
                     </a:solidFill>
@@ -12046,7 +12047,7 @@
               </a:ln>
               <a:extLst>
                 <a:ext uri="{91240B29-F687-4f45-9708-019B960494DF}">
-                  <a14:hiddenLine xmlns:a14="http://schemas.microsoft.com/office/drawing/2010/main" xmlns="" w="9525">
+                  <a14:hiddenLine xmlns="" xmlns:a14="http://schemas.microsoft.com/office/drawing/2010/main" w="9525">
                     <a:solidFill>
                       <a:srgbClr val="000000"/>
                     </a:solidFill>
@@ -12136,7 +12137,7 @@
               </a:ln>
               <a:extLst>
                 <a:ext uri="{91240B29-F687-4f45-9708-019B960494DF}">
-                  <a14:hiddenLine xmlns:a14="http://schemas.microsoft.com/office/drawing/2010/main" xmlns="" w="9525">
+                  <a14:hiddenLine xmlns="" xmlns:a14="http://schemas.microsoft.com/office/drawing/2010/main" w="9525">
                     <a:solidFill>
                       <a:srgbClr val="000000"/>
                     </a:solidFill>
@@ -12170,7 +12171,7 @@
               </a:ln>
               <a:extLst>
                 <a:ext uri="{91240B29-F687-4f45-9708-019B960494DF}">
-                  <a14:hiddenLine xmlns:a14="http://schemas.microsoft.com/office/drawing/2010/main" xmlns="" w="9525">
+                  <a14:hiddenLine xmlns="" xmlns:a14="http://schemas.microsoft.com/office/drawing/2010/main" w="9525">
                     <a:solidFill>
                       <a:srgbClr val="000000"/>
                     </a:solidFill>
@@ -12343,7 +12344,7 @@
             <a:fld id="{B61BEF0D-F0BB-DE4B-95CE-6DB70DBA9567}" type="datetimeFigureOut">
               <a:rPr lang="en-US" smtClean="0"/>
               <a:pPr/>
-              <a:t>7/31/2014</a:t>
+              <a:t>10/7/2014</a:t>
             </a:fld>
             <a:endParaRPr lang="en-US" dirty="0"/>
           </a:p>
@@ -13047,31 +13048,7 @@
                   <a:schemeClr val="bg1"/>
                 </a:solidFill>
               </a:rPr>
-              <a:t>迫り</a:t>
-            </a:r>
-            <a:r>
-              <a:rPr kumimoji="1" lang="ja-JP" altLang="en-US" sz="3200" b="1" dirty="0" smtClean="0">
-                <a:solidFill>
-                  <a:schemeClr val="bg1"/>
-                </a:solidFill>
-              </a:rPr>
-              <a:t>くる敵の攻撃、罠</a:t>
-            </a:r>
-            <a:r>
-              <a:rPr kumimoji="1" lang="ja-JP" altLang="en-US" sz="3200" b="1" dirty="0" smtClean="0">
-                <a:solidFill>
-                  <a:schemeClr val="bg1"/>
-                </a:solidFill>
-              </a:rPr>
-              <a:t>を華麗</a:t>
-            </a:r>
-            <a:r>
-              <a:rPr kumimoji="1" lang="ja-JP" altLang="en-US" sz="3200" b="1" dirty="0" smtClean="0">
-                <a:solidFill>
-                  <a:schemeClr val="bg1"/>
-                </a:solidFill>
-              </a:rPr>
-              <a:t>に避け、逃げるボスを倒せ！</a:t>
+              <a:t>迫りくる敵の攻撃、罠を華麗に避け、逃げるボスを倒せ！</a:t>
             </a:r>
             <a:endParaRPr kumimoji="1" lang="en-US" altLang="ja-JP" sz="3200" b="1" dirty="0" smtClean="0">
               <a:solidFill>
@@ -13560,8 +13537,16 @@
           <a:p>
             <a:pPr lvl="1"/>
             <a:r>
+              <a:rPr lang="ja-JP" altLang="en-US" dirty="0"/>
+              <a:t>３</a:t>
+            </a:r>
+            <a:r>
               <a:rPr lang="ja-JP" altLang="en-US" dirty="0" smtClean="0"/>
-              <a:t>２Ｄアクション</a:t>
+              <a:t>Ｄ</a:t>
+            </a:r>
+            <a:r>
+              <a:rPr lang="ja-JP" altLang="en-US" dirty="0" smtClean="0"/>
+              <a:t>アクション</a:t>
             </a:r>
             <a:endParaRPr lang="en-US" altLang="ja-JP" dirty="0" smtClean="0"/>
           </a:p>
@@ -14742,6 +14727,339 @@
     <p:extLst>
       <p:ext uri="{BB962C8B-B14F-4D97-AF65-F5344CB8AC3E}">
         <p14:creationId xmlns:p14="http://schemas.microsoft.com/office/powerpoint/2010/main" val="1121323396"/>
+      </p:ext>
+    </p:extLst>
+  </p:cSld>
+  <p:clrMapOvr>
+    <a:masterClrMapping/>
+  </p:clrMapOvr>
+  <p:timing>
+    <p:tnLst>
+      <p:par>
+        <p:cTn id="1" dur="indefinite" restart="never" nodeType="tmRoot"/>
+      </p:par>
+    </p:tnLst>
+  </p:timing>
+</p:sld>
+</file>
+
+<file path=ppt/slides/slide6.xml><?xml version="1.0" encoding="utf-8"?>
+<p:sld xmlns:a="http://schemas.openxmlformats.org/drawingml/2006/main" xmlns:r="http://schemas.openxmlformats.org/officeDocument/2006/relationships" xmlns:p="http://schemas.openxmlformats.org/presentationml/2006/main">
+  <p:cSld>
+    <p:spTree>
+      <p:nvGrpSpPr>
+        <p:cNvPr id="1" name=""/>
+        <p:cNvGrpSpPr/>
+        <p:nvPr/>
+      </p:nvGrpSpPr>
+      <p:grpSpPr>
+        <a:xfrm>
+          <a:off x="0" y="0"/>
+          <a:ext cx="0" cy="0"/>
+          <a:chOff x="0" y="0"/>
+          <a:chExt cx="0" cy="0"/>
+        </a:xfrm>
+      </p:grpSpPr>
+      <p:sp>
+        <p:nvSpPr>
+          <p:cNvPr id="2" name="正方形/長方形 1"/>
+          <p:cNvSpPr/>
+          <p:nvPr/>
+        </p:nvSpPr>
+        <p:spPr>
+          <a:xfrm>
+            <a:off x="629576" y="640934"/>
+            <a:ext cx="5276954" cy="1015663"/>
+          </a:xfrm>
+          <a:prstGeom prst="rect">
+            <a:avLst/>
+          </a:prstGeom>
+          <a:noFill/>
+        </p:spPr>
+        <p:txBody>
+          <a:bodyPr wrap="square" lIns="91440" tIns="45720" rIns="91440" bIns="45720">
+            <a:spAutoFit/>
+            <a:scene3d>
+              <a:camera prst="orthographicFront"/>
+              <a:lightRig rig="threePt" dir="t"/>
+            </a:scene3d>
+            <a:sp3d extrusionH="57150">
+              <a:bevelT w="38100" h="38100" prst="relaxedInset"/>
+            </a:sp3d>
+          </a:bodyPr>
+          <a:lstStyle/>
+          <a:p>
+            <a:pPr algn="ctr"/>
+            <a:r>
+              <a:rPr lang="ja-JP" altLang="en-US" sz="6000" b="1" dirty="0" smtClean="0">
+                <a:ln w="0"/>
+                <a:solidFill>
+                  <a:srgbClr val="C00000"/>
+                </a:solidFill>
+                <a:effectLst>
+                  <a:reflection blurRad="6350" stA="53000" endA="300" endPos="35500" dir="5400000" sy="-90000" algn="bl" rotWithShape="0"/>
+                </a:effectLst>
+              </a:rPr>
+              <a:t>現在できること</a:t>
+            </a:r>
+            <a:endParaRPr lang="ja-JP" altLang="en-US" sz="6000" b="1" cap="none" spc="0" dirty="0">
+              <a:ln w="0"/>
+              <a:solidFill>
+                <a:srgbClr val="C00000"/>
+              </a:solidFill>
+              <a:effectLst>
+                <a:reflection blurRad="6350" stA="53000" endA="300" endPos="35500" dir="5400000" sy="-90000" algn="bl" rotWithShape="0"/>
+              </a:effectLst>
+            </a:endParaRPr>
+          </a:p>
+        </p:txBody>
+      </p:sp>
+      <p:sp>
+        <p:nvSpPr>
+          <p:cNvPr id="5" name="コンテンツ プレースホルダー 2"/>
+          <p:cNvSpPr txBox="1">
+            <a:spLocks/>
+          </p:cNvSpPr>
+          <p:nvPr/>
+        </p:nvSpPr>
+        <p:spPr>
+          <a:xfrm>
+            <a:off x="1141412" y="1861752"/>
+            <a:ext cx="9905999" cy="4621426"/>
+          </a:xfrm>
+          <a:prstGeom prst="rect">
+            <a:avLst/>
+          </a:prstGeom>
+        </p:spPr>
+        <p:txBody>
+          <a:bodyPr vert="horz" lIns="91440" tIns="45720" rIns="91440" bIns="45720" rtlCol="0">
+            <a:normAutofit/>
+          </a:bodyPr>
+          <a:lstStyle>
+            <a:lvl1pPr marL="228600" indent="-228600" algn="l" defTabSz="914400" rtl="0" eaLnBrk="1" latinLnBrk="0" hangingPunct="1">
+              <a:lnSpc>
+                <a:spcPct val="120000"/>
+              </a:lnSpc>
+              <a:spcBef>
+                <a:spcPts val="1000"/>
+              </a:spcBef>
+              <a:buSzPct val="125000"/>
+              <a:buFont typeface="Arial" panose="020B0604020202020204" pitchFamily="34" charset="0"/>
+              <a:buChar char="•"/>
+              <a:defRPr kumimoji="1" sz="2400" kern="1200">
+                <a:solidFill>
+                  <a:schemeClr val="tx1"/>
+                </a:solidFill>
+                <a:latin typeface="+mn-lt"/>
+                <a:ea typeface="+mn-ea"/>
+                <a:cs typeface="+mn-cs"/>
+              </a:defRPr>
+            </a:lvl1pPr>
+            <a:lvl2pPr marL="685800" indent="-228600" algn="l" defTabSz="914400" rtl="0" eaLnBrk="1" latinLnBrk="0" hangingPunct="1">
+              <a:lnSpc>
+                <a:spcPct val="120000"/>
+              </a:lnSpc>
+              <a:spcBef>
+                <a:spcPts val="500"/>
+              </a:spcBef>
+              <a:buSzPct val="125000"/>
+              <a:buFont typeface="Arial" panose="020B0604020202020204" pitchFamily="34" charset="0"/>
+              <a:buChar char="•"/>
+              <a:defRPr kumimoji="1" sz="2000" kern="1200">
+                <a:solidFill>
+                  <a:schemeClr val="tx1"/>
+                </a:solidFill>
+                <a:latin typeface="+mn-lt"/>
+                <a:ea typeface="+mn-ea"/>
+                <a:cs typeface="+mn-cs"/>
+              </a:defRPr>
+            </a:lvl2pPr>
+            <a:lvl3pPr marL="1143000" indent="-228600" algn="l" defTabSz="914400" rtl="0" eaLnBrk="1" latinLnBrk="0" hangingPunct="1">
+              <a:lnSpc>
+                <a:spcPct val="120000"/>
+              </a:lnSpc>
+              <a:spcBef>
+                <a:spcPts val="500"/>
+              </a:spcBef>
+              <a:buSzPct val="125000"/>
+              <a:buFont typeface="Arial" panose="020B0604020202020204" pitchFamily="34" charset="0"/>
+              <a:buChar char="•"/>
+              <a:defRPr kumimoji="1" sz="1800" kern="1200">
+                <a:solidFill>
+                  <a:schemeClr val="tx1"/>
+                </a:solidFill>
+                <a:latin typeface="+mn-lt"/>
+                <a:ea typeface="+mn-ea"/>
+                <a:cs typeface="+mn-cs"/>
+              </a:defRPr>
+            </a:lvl3pPr>
+            <a:lvl4pPr marL="1600200" indent="-228600" algn="l" defTabSz="914400" rtl="0" eaLnBrk="1" latinLnBrk="0" hangingPunct="1">
+              <a:lnSpc>
+                <a:spcPct val="120000"/>
+              </a:lnSpc>
+              <a:spcBef>
+                <a:spcPts val="500"/>
+              </a:spcBef>
+              <a:buSzPct val="125000"/>
+              <a:buFont typeface="Arial" panose="020B0604020202020204" pitchFamily="34" charset="0"/>
+              <a:buChar char="•"/>
+              <a:defRPr kumimoji="1" sz="1600" kern="1200">
+                <a:solidFill>
+                  <a:schemeClr val="tx1"/>
+                </a:solidFill>
+                <a:latin typeface="+mn-lt"/>
+                <a:ea typeface="+mn-ea"/>
+                <a:cs typeface="+mn-cs"/>
+              </a:defRPr>
+            </a:lvl4pPr>
+            <a:lvl5pPr marL="2057400" indent="-228600" algn="l" defTabSz="914400" rtl="0" eaLnBrk="1" latinLnBrk="0" hangingPunct="1">
+              <a:lnSpc>
+                <a:spcPct val="120000"/>
+              </a:lnSpc>
+              <a:spcBef>
+                <a:spcPts val="500"/>
+              </a:spcBef>
+              <a:buSzPct val="125000"/>
+              <a:buFont typeface="Arial" panose="020B0604020202020204" pitchFamily="34" charset="0"/>
+              <a:buChar char="•"/>
+              <a:defRPr kumimoji="1" sz="1600" kern="1200">
+                <a:solidFill>
+                  <a:schemeClr val="tx1"/>
+                </a:solidFill>
+                <a:latin typeface="+mn-lt"/>
+                <a:ea typeface="+mn-ea"/>
+                <a:cs typeface="+mn-cs"/>
+              </a:defRPr>
+            </a:lvl5pPr>
+            <a:lvl6pPr marL="2514600" indent="-228600" algn="l" defTabSz="914400" rtl="0" eaLnBrk="1" latinLnBrk="0" hangingPunct="1">
+              <a:lnSpc>
+                <a:spcPct val="120000"/>
+              </a:lnSpc>
+              <a:spcBef>
+                <a:spcPts val="500"/>
+              </a:spcBef>
+              <a:buSzPct val="125000"/>
+              <a:buFont typeface="Arial" panose="020B0604020202020204" pitchFamily="34" charset="0"/>
+              <a:buChar char="•"/>
+              <a:defRPr kumimoji="1" sz="1400" kern="1200">
+                <a:solidFill>
+                  <a:schemeClr val="tx1"/>
+                </a:solidFill>
+                <a:latin typeface="+mn-lt"/>
+                <a:ea typeface="+mn-ea"/>
+                <a:cs typeface="+mn-cs"/>
+              </a:defRPr>
+            </a:lvl6pPr>
+            <a:lvl7pPr marL="2971800" indent="-228600" algn="l" defTabSz="914400" rtl="0" eaLnBrk="1" latinLnBrk="0" hangingPunct="1">
+              <a:lnSpc>
+                <a:spcPct val="120000"/>
+              </a:lnSpc>
+              <a:spcBef>
+                <a:spcPts val="500"/>
+              </a:spcBef>
+              <a:buSzPct val="125000"/>
+              <a:buFont typeface="Arial" panose="020B0604020202020204" pitchFamily="34" charset="0"/>
+              <a:buChar char="•"/>
+              <a:defRPr kumimoji="1" sz="1400" kern="1200">
+                <a:solidFill>
+                  <a:schemeClr val="tx1"/>
+                </a:solidFill>
+                <a:latin typeface="+mn-lt"/>
+                <a:ea typeface="+mn-ea"/>
+                <a:cs typeface="+mn-cs"/>
+              </a:defRPr>
+            </a:lvl7pPr>
+            <a:lvl8pPr marL="3429000" indent="-228600" algn="l" defTabSz="914400" rtl="0" eaLnBrk="1" latinLnBrk="0" hangingPunct="1">
+              <a:lnSpc>
+                <a:spcPct val="120000"/>
+              </a:lnSpc>
+              <a:spcBef>
+                <a:spcPts val="500"/>
+              </a:spcBef>
+              <a:buSzPct val="125000"/>
+              <a:buFont typeface="Arial" panose="020B0604020202020204" pitchFamily="34" charset="0"/>
+              <a:buChar char="•"/>
+              <a:defRPr kumimoji="1" sz="1400" kern="1200">
+                <a:solidFill>
+                  <a:schemeClr val="tx1"/>
+                </a:solidFill>
+                <a:latin typeface="+mn-lt"/>
+                <a:ea typeface="+mn-ea"/>
+                <a:cs typeface="+mn-cs"/>
+              </a:defRPr>
+            </a:lvl8pPr>
+            <a:lvl9pPr marL="3886200" indent="-228600" algn="l" defTabSz="914400" rtl="0" eaLnBrk="1" latinLnBrk="0" hangingPunct="1">
+              <a:lnSpc>
+                <a:spcPct val="120000"/>
+              </a:lnSpc>
+              <a:spcBef>
+                <a:spcPts val="500"/>
+              </a:spcBef>
+              <a:buSzPct val="125000"/>
+              <a:buFont typeface="Arial" panose="020B0604020202020204" pitchFamily="34" charset="0"/>
+              <a:buChar char="•"/>
+              <a:defRPr kumimoji="1" sz="1400" kern="1200">
+                <a:solidFill>
+                  <a:schemeClr val="tx1"/>
+                </a:solidFill>
+                <a:latin typeface="+mn-lt"/>
+                <a:ea typeface="+mn-ea"/>
+                <a:cs typeface="+mn-cs"/>
+              </a:defRPr>
+            </a:lvl9pPr>
+          </a:lstStyle>
+          <a:p>
+            <a:pPr marL="0" indent="0">
+              <a:buNone/>
+            </a:pPr>
+            <a:endParaRPr lang="ja-JP" altLang="en-US" dirty="0"/>
+          </a:p>
+        </p:txBody>
+      </p:sp>
+      <p:sp>
+        <p:nvSpPr>
+          <p:cNvPr id="3" name="正方形/長方形 2"/>
+          <p:cNvSpPr/>
+          <p:nvPr/>
+        </p:nvSpPr>
+        <p:spPr>
+          <a:xfrm>
+            <a:off x="766119" y="2137719"/>
+            <a:ext cx="8241957" cy="923330"/>
+          </a:xfrm>
+          <a:prstGeom prst="rect">
+            <a:avLst/>
+          </a:prstGeom>
+        </p:spPr>
+        <p:txBody>
+          <a:bodyPr wrap="square">
+            <a:spAutoFit/>
+          </a:bodyPr>
+          <a:lstStyle/>
+          <a:p>
+            <a:r>
+              <a:rPr lang="ja-JP" altLang="en-US" dirty="0"/>
+              <a:t>敵の攻撃システム</a:t>
+            </a:r>
+          </a:p>
+          <a:p>
+            <a:r>
+              <a:rPr lang="ja-JP" altLang="en-US" dirty="0"/>
+              <a:t>プレイヤーの動き</a:t>
+            </a:r>
+          </a:p>
+          <a:p>
+            <a:r>
+              <a:rPr lang="ja-JP" altLang="en-US" dirty="0"/>
+              <a:t>各エフェクト</a:t>
+            </a:r>
+          </a:p>
+        </p:txBody>
+      </p:sp>
+    </p:spTree>
+    <p:extLst>
+      <p:ext uri="{BB962C8B-B14F-4D97-AF65-F5344CB8AC3E}">
+        <p14:creationId xmlns:p14="http://schemas.microsoft.com/office/powerpoint/2010/main" val="2414958198"/>
       </p:ext>
     </p:extLst>
   </p:cSld>
